--- a/JavaScript - The Definitive Guide.pptx
+++ b/JavaScript - The Definitive Guide.pptx
@@ -315,7 +315,7 @@
             <a:fld id="{81439187-EDED-43A0-BCDF-452488373D6C}" type="datetimeFigureOut">
               <a:rPr lang="en-US" smtClean="0"/>
               <a:pPr/>
-              <a:t>8/7/2012</a:t>
+              <a:t>1/20/14</a:t>
             </a:fld>
             <a:endParaRPr lang="en-US"/>
           </a:p>
@@ -484,6 +484,11 @@
         </p:txBody>
       </p:sp>
     </p:spTree>
+    <p:extLst>
+      <p:ext uri="{BB962C8B-B14F-4D97-AF65-F5344CB8AC3E}">
+        <p14:creationId xmlns:p14="http://schemas.microsoft.com/office/powerpoint/2010/main" val="905659787"/>
+      </p:ext>
+    </p:extLst>
   </p:cSld>
   <p:clrMap bg1="lt1" tx1="dk1" bg2="lt2" tx2="dk2" accent1="accent1" accent2="accent2" accent3="accent3" accent4="accent4" accent5="accent5" accent6="accent6" hlink="hlink" folHlink="folHlink"/>
   <p:notesStyle>
@@ -8389,7 +8394,7 @@
             <a:fld id="{1D8BD707-D9CF-40AE-B4C6-C98DA3205C09}" type="datetimeFigureOut">
               <a:rPr lang="en-US" smtClean="0"/>
               <a:pPr/>
-              <a:t>8/7/2012</a:t>
+              <a:t>1/20/14</a:t>
             </a:fld>
             <a:endParaRPr lang="en-US"/>
           </a:p>
@@ -8556,7 +8561,7 @@
             <a:fld id="{1D8BD707-D9CF-40AE-B4C6-C98DA3205C09}" type="datetimeFigureOut">
               <a:rPr lang="en-US" smtClean="0"/>
               <a:pPr/>
-              <a:t>8/7/2012</a:t>
+              <a:t>1/20/14</a:t>
             </a:fld>
             <a:endParaRPr lang="en-US"/>
           </a:p>
@@ -8733,7 +8738,7 @@
             <a:fld id="{1D8BD707-D9CF-40AE-B4C6-C98DA3205C09}" type="datetimeFigureOut">
               <a:rPr lang="en-US" smtClean="0"/>
               <a:pPr/>
-              <a:t>8/7/2012</a:t>
+              <a:t>1/20/14</a:t>
             </a:fld>
             <a:endParaRPr lang="en-US"/>
           </a:p>
@@ -8900,7 +8905,7 @@
             <a:fld id="{1D8BD707-D9CF-40AE-B4C6-C98DA3205C09}" type="datetimeFigureOut">
               <a:rPr lang="en-US" smtClean="0"/>
               <a:pPr/>
-              <a:t>8/7/2012</a:t>
+              <a:t>1/20/14</a:t>
             </a:fld>
             <a:endParaRPr lang="en-US"/>
           </a:p>
@@ -9143,7 +9148,7 @@
             <a:fld id="{1D8BD707-D9CF-40AE-B4C6-C98DA3205C09}" type="datetimeFigureOut">
               <a:rPr lang="en-US" smtClean="0"/>
               <a:pPr/>
-              <a:t>8/7/2012</a:t>
+              <a:t>1/20/14</a:t>
             </a:fld>
             <a:endParaRPr lang="en-US"/>
           </a:p>
@@ -9428,7 +9433,7 @@
             <a:fld id="{1D8BD707-D9CF-40AE-B4C6-C98DA3205C09}" type="datetimeFigureOut">
               <a:rPr lang="en-US" smtClean="0"/>
               <a:pPr/>
-              <a:t>8/7/2012</a:t>
+              <a:t>1/20/14</a:t>
             </a:fld>
             <a:endParaRPr lang="en-US"/>
           </a:p>
@@ -9847,7 +9852,7 @@
             <a:fld id="{1D8BD707-D9CF-40AE-B4C6-C98DA3205C09}" type="datetimeFigureOut">
               <a:rPr lang="en-US" smtClean="0"/>
               <a:pPr/>
-              <a:t>8/7/2012</a:t>
+              <a:t>1/20/14</a:t>
             </a:fld>
             <a:endParaRPr lang="en-US"/>
           </a:p>
@@ -9962,7 +9967,7 @@
             <a:fld id="{1D8BD707-D9CF-40AE-B4C6-C98DA3205C09}" type="datetimeFigureOut">
               <a:rPr lang="en-US" smtClean="0"/>
               <a:pPr/>
-              <a:t>8/7/2012</a:t>
+              <a:t>1/20/14</a:t>
             </a:fld>
             <a:endParaRPr lang="en-US"/>
           </a:p>
@@ -10054,7 +10059,7 @@
             <a:fld id="{1D8BD707-D9CF-40AE-B4C6-C98DA3205C09}" type="datetimeFigureOut">
               <a:rPr lang="en-US" smtClean="0"/>
               <a:pPr/>
-              <a:t>8/7/2012</a:t>
+              <a:t>1/20/14</a:t>
             </a:fld>
             <a:endParaRPr lang="en-US"/>
           </a:p>
@@ -10328,7 +10333,7 @@
             <a:fld id="{1D8BD707-D9CF-40AE-B4C6-C98DA3205C09}" type="datetimeFigureOut">
               <a:rPr lang="en-US" smtClean="0"/>
               <a:pPr/>
-              <a:t>8/7/2012</a:t>
+              <a:t>1/20/14</a:t>
             </a:fld>
             <a:endParaRPr lang="en-US"/>
           </a:p>
@@ -10578,7 +10583,7 @@
             <a:fld id="{1D8BD707-D9CF-40AE-B4C6-C98DA3205C09}" type="datetimeFigureOut">
               <a:rPr lang="en-US" smtClean="0"/>
               <a:pPr/>
-              <a:t>8/7/2012</a:t>
+              <a:t>1/20/14</a:t>
             </a:fld>
             <a:endParaRPr lang="en-US"/>
           </a:p>
@@ -10788,7 +10793,7 @@
             <a:fld id="{1D8BD707-D9CF-40AE-B4C6-C98DA3205C09}" type="datetimeFigureOut">
               <a:rPr lang="en-US" smtClean="0"/>
               <a:pPr/>
-              <a:t>8/7/2012</a:t>
+              <a:t>1/20/14</a:t>
             </a:fld>
             <a:endParaRPr lang="en-US"/>
           </a:p>
@@ -11213,7 +11218,7 @@
   <p:timing>
     <p:tnLst>
       <p:par>
-        <p:cTn id="1" dur="indefinite" restart="never" nodeType="tmRoot"/>
+        <p:cTn xmlns:p14="http://schemas.microsoft.com/office/powerpoint/2010/main" id="1" dur="indefinite" restart="never" nodeType="tmRoot"/>
       </p:par>
     </p:tnLst>
   </p:timing>
@@ -11401,7 +11406,7 @@
   <p:timing>
     <p:tnLst>
       <p:par>
-        <p:cTn id="1" dur="indefinite" restart="never" nodeType="tmRoot"/>
+        <p:cTn xmlns:p14="http://schemas.microsoft.com/office/powerpoint/2010/main" id="1" dur="indefinite" restart="never" nodeType="tmRoot"/>
       </p:par>
     </p:tnLst>
   </p:timing>
@@ -11502,26 +11507,14 @@
             </a:r>
             <a:r>
               <a:rPr lang="en-US" sz="2000" dirty="0" smtClean="0"/>
-              <a:t>on new </a:t>
-            </a:r>
-            <a:r>
-              <a:rPr lang="en-US" sz="2000" dirty="0" smtClean="0"/>
-              <a:t>objects</a:t>
-            </a:r>
-          </a:p>
-          <a:p>
-            <a:pPr lvl="1"/>
-            <a:r>
-              <a:rPr lang="en-US" sz="2000" dirty="0" smtClean="0"/>
-              <a:t>Second</a:t>
-            </a:r>
-            <a:r>
-              <a:rPr lang="en-US" sz="2000" dirty="0" smtClean="0"/>
-              <a:t>, </a:t>
-            </a:r>
-            <a:r>
-              <a:rPr lang="en-US" sz="2000" dirty="0" smtClean="0"/>
-              <a:t>define </a:t>
+              <a:t>on new objects</a:t>
+            </a:r>
+          </a:p>
+          <a:p>
+            <a:pPr lvl="1"/>
+            <a:r>
+              <a:rPr lang="en-US" sz="2000" dirty="0" smtClean="0"/>
+              <a:t>Second, define </a:t>
             </a:r>
             <a:r>
               <a:rPr lang="en-US" sz="2000" dirty="0" smtClean="0">
@@ -11545,11 +11538,7 @@
             </a:r>
             <a:r>
               <a:rPr lang="en-US" sz="2000" dirty="0" smtClean="0"/>
-              <a:t>of the </a:t>
-            </a:r>
-            <a:r>
-              <a:rPr lang="en-US" sz="2000" dirty="0" smtClean="0"/>
-              <a:t>constructor</a:t>
+              <a:t>of the constructor</a:t>
             </a:r>
           </a:p>
           <a:p>
@@ -11564,31 +11553,11 @@
                   <a:srgbClr val="FF0000"/>
                 </a:solidFill>
               </a:rPr>
-              <a:t>class </a:t>
-            </a:r>
-            <a:r>
-              <a:rPr lang="en-US" sz="2000" dirty="0" smtClean="0">
-                <a:solidFill>
-                  <a:srgbClr val="FF0000"/>
-                </a:solidFill>
-              </a:rPr>
-              <a:t>fields and class </a:t>
-            </a:r>
-            <a:r>
-              <a:rPr lang="en-US" sz="2000" dirty="0" smtClean="0">
-                <a:solidFill>
-                  <a:srgbClr val="FF0000"/>
-                </a:solidFill>
-              </a:rPr>
-              <a:t>properties </a:t>
-            </a:r>
-            <a:r>
-              <a:rPr lang="en-US" sz="2000" dirty="0" smtClean="0"/>
-              <a:t>on the constructor </a:t>
-            </a:r>
-            <a:r>
-              <a:rPr lang="en-US" sz="2000" dirty="0" smtClean="0"/>
-              <a:t>itself</a:t>
+              <a:t>class fields and class properties </a:t>
+            </a:r>
+            <a:r>
+              <a:rPr lang="en-US" sz="2000" dirty="0" smtClean="0"/>
+              <a:t>on the constructor itself</a:t>
             </a:r>
           </a:p>
           <a:p>
@@ -11598,11 +11567,7 @@
             </a:pPr>
             <a:r>
               <a:rPr lang="en-US" sz="2400" dirty="0" smtClean="0"/>
-              <a:t>Augmenting the </a:t>
-            </a:r>
-            <a:r>
-              <a:rPr lang="en-US" sz="2400" dirty="0" smtClean="0"/>
-              <a:t>class</a:t>
+              <a:t>Augmenting the class</a:t>
             </a:r>
           </a:p>
           <a:p>
@@ -11633,7 +11598,7 @@
   <p:timing>
     <p:tnLst>
       <p:par>
-        <p:cTn id="1" dur="indefinite" restart="never" nodeType="tmRoot"/>
+        <p:cTn xmlns:p14="http://schemas.microsoft.com/office/powerpoint/2010/main" id="1" dur="indefinite" restart="never" nodeType="tmRoot"/>
       </p:par>
     </p:tnLst>
   </p:timing>
@@ -11727,7 +11692,7 @@
   <p:timing>
     <p:tnLst>
       <p:par>
-        <p:cTn id="1" dur="indefinite" restart="never" nodeType="tmRoot"/>
+        <p:cTn xmlns:p14="http://schemas.microsoft.com/office/powerpoint/2010/main" id="1" dur="indefinite" restart="never" nodeType="tmRoot"/>
       </p:par>
     </p:tnLst>
   </p:timing>
@@ -11816,15 +11781,7 @@
             <a:pPr lvl="1"/>
             <a:r>
               <a:rPr lang="en-US" sz="2000" dirty="0" smtClean="0"/>
-              <a:t>The key to creating subclasses in JavaScript is proper initialization of the </a:t>
-            </a:r>
-            <a:r>
-              <a:rPr lang="en-US" sz="2000" dirty="0" smtClean="0"/>
-              <a:t>prototype </a:t>
-            </a:r>
-            <a:r>
-              <a:rPr lang="en-US" sz="2000" dirty="0" smtClean="0"/>
-              <a:t>object. If class B extends A, then </a:t>
+              <a:t>The key to creating subclasses in JavaScript is proper initialization of the prototype object. If class B extends A, then </a:t>
             </a:r>
             <a:r>
               <a:rPr lang="en-US" sz="2000" dirty="0" err="1" smtClean="0"/>
@@ -11840,15 +11797,7 @@
             </a:r>
             <a:r>
               <a:rPr lang="en-US" sz="2000" dirty="0" smtClean="0"/>
-              <a:t>. </a:t>
-            </a:r>
-            <a:r>
-              <a:rPr lang="en-US" sz="2000" dirty="0" smtClean="0"/>
-              <a:t>Then </a:t>
-            </a:r>
-            <a:r>
-              <a:rPr lang="en-US" sz="2000" dirty="0" smtClean="0"/>
-              <a:t>instances of B will inherit from </a:t>
+              <a:t>. Then instances of B will inherit from </a:t>
             </a:r>
             <a:r>
               <a:rPr lang="en-US" sz="2000" dirty="0" err="1" smtClean="0"/>
@@ -11866,7 +11815,6 @@
               <a:rPr lang="en-US" sz="2000" dirty="0" smtClean="0"/>
               <a:t> </a:t>
             </a:r>
-            <a:endParaRPr lang="en-US" sz="2000" dirty="0" smtClean="0"/>
           </a:p>
         </p:txBody>
       </p:sp>
@@ -11910,7 +11858,7 @@
   <p:timing>
     <p:tnLst>
       <p:par>
-        <p:cTn id="1" dur="indefinite" restart="never" nodeType="tmRoot"/>
+        <p:cTn xmlns:p14="http://schemas.microsoft.com/office/powerpoint/2010/main" id="1" dur="indefinite" restart="never" nodeType="tmRoot"/>
       </p:par>
     </p:tnLst>
   </p:timing>
@@ -13139,7 +13087,7 @@
   <p:timing>
     <p:tnLst>
       <p:par>
-        <p:cTn id="1" dur="indefinite" restart="never" nodeType="tmRoot"/>
+        <p:cTn xmlns:p14="http://schemas.microsoft.com/office/powerpoint/2010/main" id="1" dur="indefinite" restart="never" nodeType="tmRoot"/>
       </p:par>
     </p:tnLst>
   </p:timing>
@@ -13270,7 +13218,7 @@
   <p:timing>
     <p:tnLst>
       <p:par>
-        <p:cTn id="1" dur="indefinite" restart="never" nodeType="tmRoot"/>
+        <p:cTn xmlns:p14="http://schemas.microsoft.com/office/powerpoint/2010/main" id="1" dur="indefinite" restart="never" nodeType="tmRoot"/>
       </p:par>
     </p:tnLst>
   </p:timing>
@@ -13401,7 +13349,7 @@
   <p:timing>
     <p:tnLst>
       <p:par>
-        <p:cTn id="1" dur="indefinite" restart="never" nodeType="tmRoot"/>
+        <p:cTn xmlns:p14="http://schemas.microsoft.com/office/powerpoint/2010/main" id="1" dur="indefinite" restart="never" nodeType="tmRoot"/>
       </p:par>
     </p:tnLst>
   </p:timing>
@@ -13537,7 +13485,7 @@
   <p:timing>
     <p:tnLst>
       <p:par>
-        <p:cTn id="1" dur="indefinite" restart="never" nodeType="tmRoot"/>
+        <p:cTn xmlns:p14="http://schemas.microsoft.com/office/powerpoint/2010/main" id="1" dur="indefinite" restart="never" nodeType="tmRoot"/>
       </p:par>
     </p:tnLst>
   </p:timing>
@@ -13621,7 +13569,6 @@
               <a:rPr lang="en-US" sz="2400" dirty="0" smtClean="0"/>
               <a:t>Defining Immutable Classes </a:t>
             </a:r>
-            <a:endParaRPr lang="en-US" sz="2400" dirty="0" smtClean="0"/>
           </a:p>
           <a:p>
             <a:pPr lvl="1"/>
@@ -13669,7 +13616,7 @@
   <p:timing>
     <p:tnLst>
       <p:par>
-        <p:cTn id="1" dur="indefinite" restart="never" nodeType="tmRoot"/>
+        <p:cTn xmlns:p14="http://schemas.microsoft.com/office/powerpoint/2010/main" id="1" dur="indefinite" restart="never" nodeType="tmRoot"/>
       </p:par>
     </p:tnLst>
   </p:timing>
@@ -13758,42 +13705,14 @@
             <a:pPr lvl="1"/>
             <a:r>
               <a:rPr lang="en-US" sz="2000" dirty="0" smtClean="0"/>
-              <a:t>modules should minimize the number of global </a:t>
-            </a:r>
-            <a:r>
-              <a:rPr lang="en-US" sz="2000" dirty="0" smtClean="0"/>
-              <a:t>symbols </a:t>
-            </a:r>
-            <a:r>
-              <a:rPr lang="en-US" sz="2000" dirty="0" smtClean="0"/>
-              <a:t>they define—ideally, no module should define more than </a:t>
-            </a:r>
-            <a:r>
-              <a:rPr lang="en-US" sz="2000" dirty="0" smtClean="0"/>
-              <a:t>one</a:t>
-            </a:r>
-          </a:p>
-          <a:p>
-            <a:pPr lvl="1"/>
-            <a:r>
-              <a:rPr lang="en-US" sz="2000" dirty="0" smtClean="0"/>
-              <a:t>One way for a module to avoid the creation of global variables is to use an object as </a:t>
-            </a:r>
-            <a:r>
-              <a:rPr lang="en-US" sz="2000" dirty="0" smtClean="0"/>
-              <a:t>its namespace. </a:t>
-            </a:r>
-            <a:r>
-              <a:rPr lang="en-US" sz="2000" dirty="0" smtClean="0"/>
-              <a:t>Instead of defining global functions and variables, it stores the </a:t>
-            </a:r>
-            <a:r>
-              <a:rPr lang="en-US" sz="2000" dirty="0" smtClean="0"/>
-              <a:t>functions </a:t>
-            </a:r>
-            <a:r>
-              <a:rPr lang="en-US" sz="2000" dirty="0" smtClean="0"/>
-              <a:t>and values as properties of an object (which may be referenced by a global variable).</a:t>
+              <a:t>modules should minimize the number of global symbols they define—ideally, no module should define more than one</a:t>
+            </a:r>
+          </a:p>
+          <a:p>
+            <a:pPr lvl="1"/>
+            <a:r>
+              <a:rPr lang="en-US" sz="2000" dirty="0" smtClean="0"/>
+              <a:t>One way for a module to avoid the creation of global variables is to use an object as its namespace. Instead of defining global functions and variables, it stores the functions and values as properties of an object (which may be referenced by a global variable).</a:t>
             </a:r>
           </a:p>
         </p:txBody>
@@ -13838,7 +13757,7 @@
   <p:timing>
     <p:tnLst>
       <p:par>
-        <p:cTn id="1" dur="indefinite" restart="never" nodeType="tmRoot"/>
+        <p:cTn xmlns:p14="http://schemas.microsoft.com/office/powerpoint/2010/main" id="1" dur="indefinite" restart="never" nodeType="tmRoot"/>
       </p:par>
     </p:tnLst>
   </p:timing>
@@ -13889,7 +13808,6 @@
               <a:rPr lang="en-US" sz="2400" dirty="0" smtClean="0"/>
               <a:t>Function Scope As a Private Namespace</a:t>
             </a:r>
-            <a:endParaRPr lang="en-US" sz="2400" dirty="0" smtClean="0"/>
           </a:p>
         </p:txBody>
       </p:sp>
@@ -13933,7 +13851,7 @@
   <p:timing>
     <p:tnLst>
       <p:par>
-        <p:cTn id="1" dur="indefinite" restart="never" nodeType="tmRoot"/>
+        <p:cTn xmlns:p14="http://schemas.microsoft.com/office/powerpoint/2010/main" id="1" dur="indefinite" restart="never" nodeType="tmRoot"/>
       </p:par>
     </p:tnLst>
   </p:timing>
@@ -14121,7 +14039,7 @@
   <p:timing>
     <p:tnLst>
       <p:par>
-        <p:cTn id="1" dur="indefinite" restart="never" nodeType="tmRoot"/>
+        <p:cTn xmlns:p14="http://schemas.microsoft.com/office/powerpoint/2010/main" id="1" dur="indefinite" restart="never" nodeType="tmRoot"/>
       </p:par>
     </p:tnLst>
   </p:timing>
@@ -14172,7 +14090,6 @@
               <a:rPr lang="en-US" sz="2400" dirty="0" smtClean="0"/>
               <a:t>Function Scope As a Private Namespace</a:t>
             </a:r>
-            <a:endParaRPr lang="en-US" sz="2400" dirty="0" smtClean="0"/>
           </a:p>
         </p:txBody>
       </p:sp>
@@ -14216,7 +14133,7 @@
   <p:timing>
     <p:tnLst>
       <p:par>
-        <p:cTn id="1" dur="indefinite" restart="never" nodeType="tmRoot"/>
+        <p:cTn xmlns:p14="http://schemas.microsoft.com/office/powerpoint/2010/main" id="1" dur="indefinite" restart="never" nodeType="tmRoot"/>
       </p:par>
     </p:tnLst>
   </p:timing>
@@ -14420,7 +14337,7 @@
   <p:timing>
     <p:tnLst>
       <p:par>
-        <p:cTn id="1" dur="indefinite" restart="never" nodeType="tmRoot"/>
+        <p:cTn xmlns:p14="http://schemas.microsoft.com/office/powerpoint/2010/main" id="1" dur="indefinite" restart="never" nodeType="tmRoot"/>
       </p:par>
     </p:tnLst>
   </p:timing>
@@ -14502,11 +14419,7 @@
             </a:pPr>
             <a:r>
               <a:rPr lang="en-US" sz="2400" dirty="0" smtClean="0"/>
-              <a:t>Character </a:t>
-            </a:r>
-            <a:r>
-              <a:rPr lang="en-US" sz="2400" dirty="0" smtClean="0"/>
-              <a:t>Classes</a:t>
+              <a:t>Character Classes</a:t>
             </a:r>
           </a:p>
         </p:txBody>
@@ -14551,7 +14464,7 @@
   <p:timing>
     <p:tnLst>
       <p:par>
-        <p:cTn id="1" dur="indefinite" restart="never" nodeType="tmRoot"/>
+        <p:cTn xmlns:p14="http://schemas.microsoft.com/office/powerpoint/2010/main" id="1" dur="indefinite" restart="never" nodeType="tmRoot"/>
       </p:par>
     </p:tnLst>
   </p:timing>
@@ -14693,19 +14606,7 @@
             <a:pPr lvl="1"/>
             <a:r>
               <a:rPr lang="en-US" sz="2000" dirty="0" smtClean="0"/>
-              <a:t>Simply follow the repetition character or characters with a </a:t>
-            </a:r>
-            <a:r>
-              <a:rPr lang="en-US" sz="2000" dirty="0" smtClean="0"/>
-              <a:t>question </a:t>
-            </a:r>
-            <a:r>
-              <a:rPr lang="en-US" sz="2000" dirty="0" smtClean="0"/>
-              <a:t>mark: ??, +?, *?, or even {1,5</a:t>
-            </a:r>
-            <a:r>
-              <a:rPr lang="en-US" sz="2000" dirty="0" smtClean="0"/>
-              <a:t>}?</a:t>
+              <a:t>Simply follow the repetition character or characters with a question mark: ??, +?, *?, or even {1,5}?</a:t>
             </a:r>
           </a:p>
         </p:txBody>
@@ -14750,7 +14651,7 @@
   <p:timing>
     <p:tnLst>
       <p:par>
-        <p:cTn id="1" dur="indefinite" restart="never" nodeType="tmRoot"/>
+        <p:cTn xmlns:p14="http://schemas.microsoft.com/office/powerpoint/2010/main" id="1" dur="indefinite" restart="never" nodeType="tmRoot"/>
       </p:par>
     </p:tnLst>
   </p:timing>
@@ -14882,7 +14783,7 @@
   <p:timing>
     <p:tnLst>
       <p:par>
-        <p:cTn id="1" dur="indefinite" restart="never" nodeType="tmRoot"/>
+        <p:cTn xmlns:p14="http://schemas.microsoft.com/office/powerpoint/2010/main" id="1" dur="indefinite" restart="never" nodeType="tmRoot"/>
       </p:par>
     </p:tnLst>
   </p:timing>
@@ -14964,11 +14865,7 @@
             </a:pPr>
             <a:r>
               <a:rPr lang="en-US" sz="2400" dirty="0" smtClean="0"/>
-              <a:t>Specifying Match Position</a:t>
-            </a:r>
-            <a:r>
-              <a:rPr lang="en-US" sz="2400" dirty="0" smtClean="0"/>
-              <a:t> </a:t>
+              <a:t>Specifying Match Position </a:t>
             </a:r>
             <a:endParaRPr lang="en-US" sz="2000" dirty="0" smtClean="0"/>
           </a:p>
@@ -15090,7 +14987,7 @@
   <p:timing>
     <p:tnLst>
       <p:par>
-        <p:cTn id="1" dur="indefinite" restart="never" nodeType="tmRoot"/>
+        <p:cTn xmlns:p14="http://schemas.microsoft.com/office/powerpoint/2010/main" id="1" dur="indefinite" restart="never" nodeType="tmRoot"/>
       </p:par>
     </p:tnLst>
   </p:timing>
@@ -15223,11 +15120,7 @@
             </a:r>
             <a:r>
               <a:rPr lang="en-US" sz="2000" dirty="0" smtClean="0"/>
-              <a:t>, "JavaScript</a:t>
-            </a:r>
-            <a:r>
-              <a:rPr lang="en-US" sz="2000" dirty="0" smtClean="0"/>
-              <a:t>");</a:t>
+              <a:t>, "JavaScript");</a:t>
             </a:r>
           </a:p>
           <a:p>
@@ -15238,11 +15131,7 @@
             </a:r>
             <a:r>
               <a:rPr lang="en-US" sz="2000" dirty="0" smtClean="0"/>
-              <a:t> quote = /"([^"]*)"/g</a:t>
-            </a:r>
-            <a:r>
-              <a:rPr lang="en-US" sz="2000" dirty="0" smtClean="0"/>
-              <a:t>;</a:t>
+              <a:t> quote = /"([^"]*)"/g;</a:t>
             </a:r>
             <a:br>
               <a:rPr lang="en-US" sz="2000" dirty="0" smtClean="0"/>
@@ -15253,48 +15142,28 @@
             </a:r>
             <a:r>
               <a:rPr lang="en-US" sz="2000" dirty="0" smtClean="0"/>
-              <a:t>(quote</a:t>
-            </a:r>
-            <a:r>
-              <a:rPr lang="en-US" sz="2000" dirty="0" smtClean="0"/>
-              <a:t>, '“$1</a:t>
-            </a:r>
-            <a:r>
-              <a:rPr lang="en-US" sz="2000" dirty="0" smtClean="0"/>
-              <a:t>”');</a:t>
-            </a:r>
-          </a:p>
-          <a:p>
-            <a:pPr lvl="1"/>
-            <a:r>
-              <a:rPr lang="en-US" sz="2000" dirty="0" smtClean="0"/>
-              <a:t>"1 plus 2 equals 3".match(/\d+/g) // returns ["1", "2", "3</a:t>
-            </a:r>
-            <a:r>
-              <a:rPr lang="en-US" sz="2000" dirty="0" smtClean="0"/>
-              <a:t>"]</a:t>
-            </a:r>
-          </a:p>
-          <a:p>
-            <a:pPr lvl="1"/>
-            <a:r>
-              <a:rPr lang="en-US" sz="2000" dirty="0" smtClean="0"/>
-              <a:t>"123,456,789".split(","); // Returns ["123","456","789</a:t>
-            </a:r>
-            <a:r>
-              <a:rPr lang="en-US" sz="2000" dirty="0" smtClean="0"/>
-              <a:t>"]</a:t>
-            </a:r>
-          </a:p>
-          <a:p>
-            <a:pPr lvl="1"/>
-            <a:r>
-              <a:rPr lang="en-US" sz="2000" dirty="0" smtClean="0"/>
-              <a:t>"1, 2, 3, 4, 5".split(/\s*,\s*/); // Returns ["1","2","3","4","5</a:t>
-            </a:r>
-            <a:r>
-              <a:rPr lang="en-US" sz="2000" dirty="0" smtClean="0"/>
-              <a:t>"]</a:t>
+              <a:t>(quote, '“$1”');</a:t>
+            </a:r>
+          </a:p>
+          <a:p>
+            <a:pPr lvl="1"/>
+            <a:r>
+              <a:rPr lang="en-US" sz="2000" dirty="0" smtClean="0"/>
+              <a:t>"1 plus 2 equals 3".match(/\d+/g) // returns ["1", "2", "3"]</a:t>
+            </a:r>
+          </a:p>
+          <a:p>
+            <a:pPr lvl="1"/>
+            <a:r>
+              <a:rPr lang="en-US" sz="2000" dirty="0" smtClean="0"/>
+              <a:t>"123,456,789".split(","); // Returns ["123","456","789"]</a:t>
+            </a:r>
+          </a:p>
+          <a:p>
+            <a:pPr lvl="1"/>
+            <a:r>
+              <a:rPr lang="en-US" sz="2000" dirty="0" smtClean="0"/>
+              <a:t>"1, 2, 3, 4, 5".split(/\s*,\s*/); // Returns ["1","2","3","4","5"]</a:t>
             </a:r>
           </a:p>
           <a:p>
@@ -15369,7 +15238,7 @@
   <p:timing>
     <p:tnLst>
       <p:par>
-        <p:cTn id="1" dur="indefinite" restart="never" nodeType="tmRoot"/>
+        <p:cTn xmlns:p14="http://schemas.microsoft.com/office/powerpoint/2010/main" id="1" dur="indefinite" restart="never" nodeType="tmRoot"/>
       </p:par>
     </p:tnLst>
   </p:timing>
@@ -15493,7 +15362,6 @@
               <a:rPr lang="en-US" sz="2400" dirty="0" smtClean="0"/>
               <a:t>Node.js (Google V8 JS engine)</a:t>
             </a:r>
-            <a:endParaRPr lang="en-US" sz="2400" dirty="0" smtClean="0"/>
           </a:p>
           <a:p>
             <a:pPr lvl="1"/>
@@ -15501,7 +15369,6 @@
               <a:rPr lang="en-US" sz="2000" dirty="0" smtClean="0"/>
               <a:t>Written in C++</a:t>
             </a:r>
-            <a:endParaRPr lang="en-US" sz="2000" dirty="0" smtClean="0"/>
           </a:p>
           <a:p>
             <a:pPr lvl="1"/>
@@ -15549,7 +15416,7 @@
   <p:timing>
     <p:tnLst>
       <p:par>
-        <p:cTn id="1" dur="indefinite" restart="never" nodeType="tmRoot"/>
+        <p:cTn xmlns:p14="http://schemas.microsoft.com/office/powerpoint/2010/main" id="1" dur="indefinite" restart="never" nodeType="tmRoot"/>
       </p:par>
     </p:tnLst>
   </p:timing>
@@ -15620,7 +15487,7 @@
   <p:timing>
     <p:tnLst>
       <p:par>
-        <p:cTn id="1" dur="indefinite" restart="never" nodeType="tmRoot"/>
+        <p:cTn xmlns:p14="http://schemas.microsoft.com/office/powerpoint/2010/main" id="1" dur="indefinite" restart="never" nodeType="tmRoot"/>
       </p:par>
     </p:tnLst>
   </p:timing>
@@ -15677,9 +15544,6 @@
               </a:rPr>
               <a:t>JavaScript in Web Browsers</a:t>
             </a:r>
-            <a:endParaRPr lang="en-US" sz="3200" dirty="0">
-              <a:latin typeface="+mn-lt"/>
-            </a:endParaRPr>
           </a:p>
         </p:txBody>
       </p:sp>
@@ -15731,15 +15595,7 @@
             </a:r>
             <a:r>
               <a:rPr lang="en-US" sz="2000" dirty="0" smtClean="0"/>
-              <a:t> object is the main entry point to all client-side JavaScript features </a:t>
-            </a:r>
-            <a:r>
-              <a:rPr lang="en-US" sz="2000" dirty="0" smtClean="0"/>
-              <a:t>and APIs. It </a:t>
-            </a:r>
-            <a:r>
-              <a:rPr lang="en-US" sz="2000" dirty="0" smtClean="0"/>
-              <a:t>represents a web browser </a:t>
+              <a:t> object is the main entry point to all client-side JavaScript features and APIs. It represents a web browser </a:t>
             </a:r>
             <a:r>
               <a:rPr lang="en-US" sz="2000" dirty="0" smtClean="0">
@@ -15751,15 +15607,7 @@
             </a:r>
             <a:r>
               <a:rPr lang="en-US" sz="2000" dirty="0" smtClean="0"/>
-              <a:t>, and you can refer to it with </a:t>
-            </a:r>
-            <a:r>
-              <a:rPr lang="en-US" sz="2000" dirty="0" smtClean="0"/>
-              <a:t>the </a:t>
-            </a:r>
-            <a:r>
-              <a:rPr lang="en-US" sz="2000" dirty="0" smtClean="0"/>
-              <a:t>identifier </a:t>
+              <a:t>, and you can refer to it with the identifier </a:t>
             </a:r>
             <a:r>
               <a:rPr lang="en-US" sz="2000" dirty="0" smtClean="0">
@@ -15769,33 +15617,12 @@
               </a:rPr>
               <a:t>window</a:t>
             </a:r>
-            <a:endParaRPr lang="en-US" sz="2000" dirty="0" smtClean="0">
-              <a:solidFill>
-                <a:srgbClr val="FF0000"/>
-              </a:solidFill>
-            </a:endParaRPr>
-          </a:p>
-          <a:p>
-            <a:pPr lvl="1"/>
-            <a:r>
-              <a:rPr lang="en-US" sz="2000" dirty="0" smtClean="0"/>
-              <a:t>In </a:t>
-            </a:r>
-            <a:r>
-              <a:rPr lang="en-US" sz="2000" dirty="0" smtClean="0"/>
-              <a:t>client-side </a:t>
-            </a:r>
-            <a:r>
-              <a:rPr lang="en-US" sz="2000" dirty="0" smtClean="0"/>
-              <a:t>JavaScript, the Window object is also the global object. This means that the </a:t>
-            </a:r>
-            <a:r>
-              <a:rPr lang="en-US" sz="2000" dirty="0" smtClean="0"/>
-              <a:t>Window </a:t>
-            </a:r>
-            <a:r>
-              <a:rPr lang="en-US" sz="2000" dirty="0" smtClean="0"/>
-              <a:t>object is at the top of the scope chain and that </a:t>
+          </a:p>
+          <a:p>
+            <a:pPr lvl="1"/>
+            <a:r>
+              <a:rPr lang="en-US" sz="2000" dirty="0" smtClean="0"/>
+              <a:t>In client-side JavaScript, the Window object is also the global object. This means that the Window object is at the top of the scope chain and that </a:t>
             </a:r>
             <a:r>
               <a:rPr lang="en-US" sz="2000" dirty="0" smtClean="0">
@@ -15803,23 +15630,7 @@
                   <a:srgbClr val="FF0000"/>
                 </a:solidFill>
               </a:rPr>
-              <a:t>its properties and methods are </a:t>
-            </a:r>
-            <a:r>
-              <a:rPr lang="en-US" sz="2000" dirty="0" smtClean="0">
-                <a:solidFill>
-                  <a:srgbClr val="FF0000"/>
-                </a:solidFill>
-              </a:rPr>
-              <a:t>effectively </a:t>
-            </a:r>
-            <a:r>
-              <a:rPr lang="en-US" sz="2000" dirty="0" smtClean="0">
-                <a:solidFill>
-                  <a:srgbClr val="FF0000"/>
-                </a:solidFill>
-              </a:rPr>
-              <a:t>global variables and global functions</a:t>
+              <a:t>its properties and methods are effectively global variables and global functions</a:t>
             </a:r>
             <a:r>
               <a:rPr lang="en-US" sz="2000" dirty="0" smtClean="0"/>
@@ -15840,21 +15651,12 @@
               <a:rPr lang="en-US" sz="2000" i="1" dirty="0" smtClean="0"/>
               <a:t>(function() { alert("hello world"); }, 2000); </a:t>
             </a:r>
-            <a:endParaRPr lang="en-US" sz="2000" i="1" dirty="0" smtClean="0"/>
-          </a:p>
-          <a:p>
-            <a:pPr lvl="1"/>
-            <a:r>
-              <a:rPr lang="en-US" sz="2000" dirty="0" smtClean="0"/>
-              <a:t>The </a:t>
-            </a:r>
-            <a:r>
-              <a:rPr lang="en-US" sz="2000" dirty="0" smtClean="0"/>
-              <a:t>Window object has a property </a:t>
-            </a:r>
-            <a:r>
-              <a:rPr lang="en-US" sz="2000" dirty="0" smtClean="0"/>
-              <a:t>named </a:t>
+          </a:p>
+          <a:p>
+            <a:pPr lvl="1"/>
+            <a:r>
+              <a:rPr lang="en-US" sz="2000" dirty="0" smtClean="0"/>
+              <a:t>The Window object has a property named </a:t>
             </a:r>
             <a:r>
               <a:rPr lang="en-US" sz="2000" dirty="0" smtClean="0">
@@ -15866,13 +15668,8 @@
             </a:r>
             <a:r>
               <a:rPr lang="en-US" sz="2000" dirty="0" smtClean="0"/>
-              <a:t> that always refers to </a:t>
-            </a:r>
-            <a:r>
-              <a:rPr lang="en-US" sz="2000" dirty="0" smtClean="0"/>
-              <a:t>itself</a:t>
-            </a:r>
-            <a:endParaRPr lang="en-US" sz="2000" dirty="0" smtClean="0"/>
+              <a:t> that always refers to itself</a:t>
+            </a:r>
           </a:p>
           <a:p>
             <a:pPr lvl="1"/>
@@ -15890,30 +15687,14 @@
             </a:r>
             <a:r>
               <a:rPr lang="en-US" sz="2000" dirty="0" smtClean="0"/>
-              <a:t>: it refers </a:t>
-            </a:r>
-            <a:r>
-              <a:rPr lang="en-US" sz="2000" dirty="0" smtClean="0"/>
-              <a:t>to </a:t>
-            </a:r>
-            <a:r>
-              <a:rPr lang="en-US" sz="2000" dirty="0" smtClean="0"/>
-              <a:t>Document object that represents the content displayed in the </a:t>
-            </a:r>
-            <a:r>
-              <a:rPr lang="en-US" sz="2000" dirty="0" smtClean="0"/>
-              <a:t>window</a:t>
+              <a:t>: it refers to Document object that represents the content displayed in the window</a:t>
             </a:r>
           </a:p>
           <a:p>
             <a:pPr lvl="1"/>
             <a:r>
               <a:rPr lang="en-US" sz="2000" dirty="0" err="1" smtClean="0"/>
-              <a:t>d</a:t>
-            </a:r>
-            <a:r>
-              <a:rPr lang="en-US" sz="2000" dirty="0" err="1" smtClean="0"/>
-              <a:t>ocument.getElementById</a:t>
+              <a:t>document.getElementById</a:t>
             </a:r>
             <a:r>
               <a:rPr lang="en-US" sz="2000" dirty="0" smtClean="0"/>
@@ -15931,7 +15712,6 @@
               <a:rPr lang="en-US" sz="2000" dirty="0" smtClean="0"/>
               <a:t> object</a:t>
             </a:r>
-            <a:endParaRPr lang="en-US" sz="2000" dirty="0" smtClean="0"/>
           </a:p>
           <a:p>
             <a:pPr lvl="1"/>
@@ -15961,7 +15741,7 @@
   <p:timing>
     <p:tnLst>
       <p:par>
-        <p:cTn id="1" dur="indefinite" restart="never" nodeType="tmRoot"/>
+        <p:cTn xmlns:p14="http://schemas.microsoft.com/office/powerpoint/2010/main" id="1" dur="indefinite" restart="never" nodeType="tmRoot"/>
       </p:par>
     </p:tnLst>
   </p:timing>
@@ -16124,7 +15904,7 @@
   <p:timing>
     <p:tnLst>
       <p:par>
-        <p:cTn id="1" dur="indefinite" restart="never" nodeType="tmRoot"/>
+        <p:cTn xmlns:p14="http://schemas.microsoft.com/office/powerpoint/2010/main" id="1" dur="indefinite" restart="never" nodeType="tmRoot"/>
       </p:par>
     </p:tnLst>
   </p:timing>
@@ -16181,9 +15961,6 @@
               </a:rPr>
               <a:t>JavaScript in Web Browsers</a:t>
             </a:r>
-            <a:endParaRPr lang="en-US" sz="3200" dirty="0">
-              <a:latin typeface="+mn-lt"/>
-            </a:endParaRPr>
           </a:p>
         </p:txBody>
       </p:sp>
@@ -16217,7 +15994,6 @@
               <a:rPr lang="en-US" sz="2400" dirty="0" smtClean="0"/>
               <a:t>JavaScript in Web Documents</a:t>
             </a:r>
-            <a:endParaRPr lang="en-US" sz="2400" dirty="0" smtClean="0"/>
           </a:p>
           <a:p>
             <a:pPr lvl="1"/>
@@ -16227,51 +16003,27 @@
             </a:r>
             <a:r>
               <a:rPr lang="en-US" sz="2000" i="1" dirty="0" smtClean="0"/>
-              <a:t>content through </a:t>
+              <a:t>content through the </a:t>
+            </a:r>
+            <a:r>
+              <a:rPr lang="en-US" sz="2000" dirty="0" smtClean="0"/>
+              <a:t>Document object and the Element objects it contains. It can alter the </a:t>
             </a:r>
             <a:r>
               <a:rPr lang="en-US" sz="2000" i="1" dirty="0" smtClean="0"/>
-              <a:t>the </a:t>
-            </a:r>
-            <a:r>
-              <a:rPr lang="en-US" sz="2000" dirty="0" smtClean="0"/>
-              <a:t>Document object and the Element objects it contains. It can alter the </a:t>
+              <a:t>presentation of </a:t>
+            </a:r>
+            <a:r>
+              <a:rPr lang="en-US" sz="2000" dirty="0" smtClean="0"/>
+              <a:t>that content by scripting CSS styles and classes. And it can define the </a:t>
             </a:r>
             <a:r>
               <a:rPr lang="en-US" sz="2000" i="1" dirty="0" smtClean="0"/>
-              <a:t>presentation </a:t>
-            </a:r>
-            <a:r>
-              <a:rPr lang="en-US" sz="2000" i="1" dirty="0" smtClean="0"/>
-              <a:t>of </a:t>
-            </a:r>
-            <a:r>
-              <a:rPr lang="en-US" sz="2000" dirty="0" smtClean="0"/>
-              <a:t>that content by scripting CSS styles and classes. And it can define the </a:t>
-            </a:r>
-            <a:r>
-              <a:rPr lang="en-US" sz="2000" i="1" dirty="0" smtClean="0"/>
-              <a:t>behavior of </a:t>
-            </a:r>
-            <a:r>
-              <a:rPr lang="en-US" sz="2000" i="1" dirty="0" smtClean="0"/>
-              <a:t>document </a:t>
-            </a:r>
-            <a:r>
-              <a:rPr lang="en-US" sz="2000" dirty="0" smtClean="0"/>
-              <a:t>elements by registering appropriate event handlers. The combination of </a:t>
-            </a:r>
-            <a:r>
-              <a:rPr lang="en-US" sz="2000" dirty="0" smtClean="0"/>
-              <a:t>scriptable </a:t>
-            </a:r>
-            <a:r>
-              <a:rPr lang="en-US" sz="2000" dirty="0" smtClean="0"/>
-              <a:t>content, presentation, and behavior is called Dynamic HTML or </a:t>
-            </a:r>
-            <a:r>
-              <a:rPr lang="en-US" sz="2000" dirty="0" smtClean="0"/>
-              <a:t>DHTML</a:t>
+              <a:t>behavior of document </a:t>
+            </a:r>
+            <a:r>
+              <a:rPr lang="en-US" sz="2000" dirty="0" smtClean="0"/>
+              <a:t>elements by registering appropriate event handlers. The combination of scriptable content, presentation, and behavior is called Dynamic HTML or DHTML</a:t>
             </a:r>
           </a:p>
           <a:p>
@@ -16286,41 +16038,12 @@
                   <a:srgbClr val="FF0000"/>
                 </a:solidFill>
               </a:rPr>
-              <a:t>restrained and </a:t>
-            </a:r>
-            <a:r>
-              <a:rPr lang="en-US" sz="2000" dirty="0" smtClean="0">
-                <a:solidFill>
-                  <a:srgbClr val="FF0000"/>
-                </a:solidFill>
-              </a:rPr>
-              <a:t>understated</a:t>
-            </a:r>
-            <a:r>
-              <a:rPr lang="en-US" sz="2000" dirty="0" smtClean="0"/>
-              <a:t>. </a:t>
-            </a:r>
-            <a:r>
-              <a:rPr lang="en-US" sz="2000" dirty="0" smtClean="0"/>
-              <a:t>The proper role of JavaScript is to enhance a user’s browsing experience, making </a:t>
-            </a:r>
-            <a:r>
-              <a:rPr lang="en-US" sz="2000" dirty="0" smtClean="0"/>
-              <a:t>it </a:t>
-            </a:r>
-            <a:r>
-              <a:rPr lang="en-US" sz="2000" dirty="0" smtClean="0"/>
-              <a:t>easier to obtain or transmit information. The user’s experience should not be </a:t>
-            </a:r>
-            <a:r>
-              <a:rPr lang="en-US" sz="2000" dirty="0" smtClean="0"/>
-              <a:t>dependent </a:t>
-            </a:r>
-            <a:r>
-              <a:rPr lang="en-US" sz="2000" dirty="0" smtClean="0"/>
-              <a:t>on JavaScript</a:t>
-            </a:r>
-            <a:endParaRPr lang="en-US" sz="2000" dirty="0" smtClean="0"/>
+              <a:t>restrained and understated</a:t>
+            </a:r>
+            <a:r>
+              <a:rPr lang="en-US" sz="2000" dirty="0" smtClean="0"/>
+              <a:t>. The proper role of JavaScript is to enhance a user’s browsing experience, making it easier to obtain or transmit information. The user’s experience should not be dependent on JavaScript</a:t>
+            </a:r>
           </a:p>
           <a:p>
             <a:pPr lvl="1"/>
@@ -16346,7 +16069,7 @@
   <p:timing>
     <p:tnLst>
       <p:par>
-        <p:cTn id="1" dur="indefinite" restart="never" nodeType="tmRoot"/>
+        <p:cTn xmlns:p14="http://schemas.microsoft.com/office/powerpoint/2010/main" id="1" dur="indefinite" restart="never" nodeType="tmRoot"/>
       </p:par>
     </p:tnLst>
   </p:timing>
@@ -16403,9 +16126,6 @@
               </a:rPr>
               <a:t>JavaScript in Web Browsers</a:t>
             </a:r>
-            <a:endParaRPr lang="en-US" sz="3200" dirty="0">
-              <a:latin typeface="+mn-lt"/>
-            </a:endParaRPr>
           </a:p>
         </p:txBody>
       </p:sp>
@@ -16439,7 +16159,6 @@
               <a:rPr lang="en-US" sz="2400" dirty="0" smtClean="0"/>
               <a:t>JavaScript in Web Applications</a:t>
             </a:r>
-            <a:endParaRPr lang="en-US" sz="2400" dirty="0" smtClean="0"/>
           </a:p>
           <a:p>
             <a:pPr lvl="1"/>
@@ -16460,7 +16179,11 @@
                   <a:srgbClr val="FF0000"/>
                 </a:solidFill>
               </a:rPr>
-              <a:t>web </a:t>
+              <a:t>web applications as web pages that use JavaScript to access the more advanced services</a:t>
+            </a:r>
+            <a:r>
+              <a:rPr lang="en-US" sz="2000" dirty="0" smtClean="0"/>
+              <a:t> (such as networking, graphics, and data storage) </a:t>
             </a:r>
             <a:r>
               <a:rPr lang="en-US" sz="2000" dirty="0" smtClean="0">
@@ -16468,63 +16191,11 @@
                   <a:srgbClr val="FF0000"/>
                 </a:solidFill>
               </a:rPr>
-              <a:t>applications </a:t>
-            </a:r>
-            <a:r>
-              <a:rPr lang="en-US" sz="2000" dirty="0" smtClean="0">
-                <a:solidFill>
-                  <a:srgbClr val="FF0000"/>
-                </a:solidFill>
-              </a:rPr>
-              <a:t>as web pages that use JavaScript to access the more advanced services</a:t>
-            </a:r>
-            <a:r>
-              <a:rPr lang="en-US" sz="2000" dirty="0" smtClean="0"/>
-              <a:t> (such </a:t>
-            </a:r>
-            <a:r>
-              <a:rPr lang="en-US" sz="2000" dirty="0" smtClean="0"/>
-              <a:t>as </a:t>
-            </a:r>
-            <a:r>
-              <a:rPr lang="en-US" sz="2000" dirty="0" smtClean="0"/>
-              <a:t>networking, graphics, and data storage) </a:t>
-            </a:r>
-            <a:r>
-              <a:rPr lang="en-US" sz="2000" dirty="0" smtClean="0">
-                <a:solidFill>
-                  <a:srgbClr val="FF0000"/>
-                </a:solidFill>
-              </a:rPr>
-              <a:t>offered by </a:t>
-            </a:r>
-            <a:r>
-              <a:rPr lang="en-US" sz="2000" dirty="0" smtClean="0">
-                <a:solidFill>
-                  <a:srgbClr val="FF0000"/>
-                </a:solidFill>
-              </a:rPr>
-              <a:t>browsers</a:t>
-            </a:r>
-            <a:r>
-              <a:rPr lang="en-US" sz="2000" dirty="0" smtClean="0"/>
-              <a:t>. </a:t>
-            </a:r>
-            <a:r>
-              <a:rPr lang="en-US" sz="2000" dirty="0" smtClean="0"/>
-              <a:t>The best known of </a:t>
-            </a:r>
-            <a:r>
-              <a:rPr lang="en-US" sz="2000" dirty="0" smtClean="0"/>
-              <a:t>these </a:t>
-            </a:r>
-            <a:r>
-              <a:rPr lang="en-US" sz="2000" dirty="0" smtClean="0"/>
-              <a:t>advanced services is </a:t>
-            </a:r>
-            <a:r>
-              <a:rPr lang="en-US" sz="2000" dirty="0" smtClean="0"/>
-              <a:t>the </a:t>
+              <a:t>offered by browsers</a:t>
+            </a:r>
+            <a:r>
+              <a:rPr lang="en-US" sz="2000" dirty="0" smtClean="0"/>
+              <a:t>. The best known of these advanced services is the </a:t>
             </a:r>
             <a:r>
               <a:rPr lang="en-US" sz="2000" dirty="0" err="1" smtClean="0"/>
@@ -16559,50 +16230,18 @@
                   <a:srgbClr val="FF0000"/>
                 </a:solidFill>
               </a:rPr>
-              <a:t>web </a:t>
-            </a:r>
-            <a:r>
-              <a:rPr lang="en-US" sz="2000" dirty="0" smtClean="0">
-                <a:solidFill>
-                  <a:srgbClr val="FF0000"/>
-                </a:solidFill>
-              </a:rPr>
-              <a:t>documents</a:t>
-            </a:r>
-            <a:r>
-              <a:rPr lang="en-US" sz="2000" dirty="0" smtClean="0"/>
-              <a:t>. </a:t>
-            </a:r>
-            <a:r>
-              <a:rPr lang="en-US" sz="2000" dirty="0" smtClean="0"/>
-              <a:t>JavaScript enhances web documents, but a well-designed document will continue </a:t>
-            </a:r>
-            <a:r>
-              <a:rPr lang="en-US" sz="2000" dirty="0" smtClean="0"/>
-              <a:t>to </a:t>
-            </a:r>
-            <a:r>
-              <a:rPr lang="en-US" sz="2000" dirty="0" smtClean="0"/>
-              <a:t>work with JavaScript </a:t>
-            </a:r>
-            <a:r>
-              <a:rPr lang="en-US" sz="2000" dirty="0" smtClean="0"/>
-              <a:t>disabled</a:t>
-            </a:r>
-          </a:p>
-          <a:p>
-            <a:pPr lvl="1"/>
-            <a:r>
-              <a:rPr lang="en-US" sz="2000" dirty="0" smtClean="0"/>
-              <a:t>Web applications are, by definition, JavaScript </a:t>
-            </a:r>
-            <a:r>
-              <a:rPr lang="en-US" sz="2000" dirty="0" smtClean="0"/>
-              <a:t>programs </a:t>
-            </a:r>
-            <a:r>
-              <a:rPr lang="en-US" sz="2000" dirty="0" smtClean="0"/>
-              <a:t>that use the OS-type services provided by the web browser, and they would </a:t>
+              <a:t>web documents</a:t>
+            </a:r>
+            <a:r>
+              <a:rPr lang="en-US" sz="2000" dirty="0" smtClean="0"/>
+              <a:t>. JavaScript enhances web documents, but a well-designed document will continue to work with JavaScript disabled</a:t>
+            </a:r>
+          </a:p>
+          <a:p>
+            <a:pPr lvl="1"/>
+            <a:r>
+              <a:rPr lang="en-US" sz="2000" dirty="0" smtClean="0"/>
+              <a:t>Web applications are, by definition, JavaScript programs that use the OS-type services provided by the web browser, and they would </a:t>
             </a:r>
             <a:r>
               <a:rPr lang="en-US" sz="2000" dirty="0" smtClean="0">
@@ -16614,15 +16253,7 @@
             </a:r>
             <a:r>
               <a:rPr lang="en-US" sz="2000" dirty="0" smtClean="0"/>
-              <a:t> be </a:t>
-            </a:r>
-            <a:r>
-              <a:rPr lang="en-US" sz="2000" dirty="0" smtClean="0"/>
-              <a:t>expected to work with JavaScript </a:t>
-            </a:r>
-            <a:r>
-              <a:rPr lang="en-US" sz="2000" dirty="0" smtClean="0"/>
-              <a:t>disabled</a:t>
+              <a:t> be expected to work with JavaScript disabled</a:t>
             </a:r>
           </a:p>
           <a:p>
@@ -16649,7 +16280,7 @@
   <p:timing>
     <p:tnLst>
       <p:par>
-        <p:cTn id="1" dur="indefinite" restart="never" nodeType="tmRoot"/>
+        <p:cTn xmlns:p14="http://schemas.microsoft.com/office/powerpoint/2010/main" id="1" dur="indefinite" restart="never" nodeType="tmRoot"/>
       </p:par>
     </p:tnLst>
   </p:timing>
@@ -16706,9 +16337,6 @@
               </a:rPr>
               <a:t>JavaScript in Web Browsers</a:t>
             </a:r>
-            <a:endParaRPr lang="en-US" sz="3200" dirty="0">
-              <a:latin typeface="+mn-lt"/>
-            </a:endParaRPr>
           </a:p>
         </p:txBody>
       </p:sp>
@@ -16740,22 +16368,14 @@
             </a:pPr>
             <a:r>
               <a:rPr lang="en-US" sz="2400" dirty="0" smtClean="0"/>
-              <a:t>Embedding JavaScript in </a:t>
-            </a:r>
-            <a:r>
-              <a:rPr lang="en-US" sz="2400" dirty="0" smtClean="0"/>
-              <a:t>HTML</a:t>
-            </a:r>
-          </a:p>
-          <a:p>
-            <a:pPr lvl="1"/>
-            <a:r>
-              <a:rPr lang="en-US" sz="2000" dirty="0" smtClean="0"/>
-              <a:t>Client-side JavaScript code is embedded within HTML documents in four </a:t>
-            </a:r>
-            <a:r>
-              <a:rPr lang="en-US" sz="2000" dirty="0" smtClean="0"/>
-              <a:t>ways</a:t>
+              <a:t>Embedding JavaScript in HTML</a:t>
+            </a:r>
+          </a:p>
+          <a:p>
+            <a:pPr lvl="1"/>
+            <a:r>
+              <a:rPr lang="en-US" sz="2000" dirty="0" smtClean="0"/>
+              <a:t>Client-side JavaScript code is embedded within HTML documents in four ways</a:t>
             </a:r>
           </a:p>
           <a:p>
@@ -16765,11 +16385,7 @@
             </a:pPr>
             <a:r>
               <a:rPr lang="en-US" sz="2000" dirty="0" smtClean="0"/>
-              <a:t>Inline, between a pair of &lt;script&gt; and &lt;/script&gt; </a:t>
-            </a:r>
-            <a:r>
-              <a:rPr lang="en-US" sz="2000" dirty="0" smtClean="0"/>
-              <a:t>tags</a:t>
+              <a:t>Inline, between a pair of &lt;script&gt; and &lt;/script&gt; tags</a:t>
             </a:r>
           </a:p>
           <a:p>
@@ -16787,11 +16403,7 @@
             </a:r>
             <a:r>
               <a:rPr lang="en-US" sz="2000" dirty="0" smtClean="0"/>
-              <a:t> attribute of a &lt;script&gt; </a:t>
-            </a:r>
-            <a:r>
-              <a:rPr lang="en-US" sz="2000" dirty="0" smtClean="0"/>
-              <a:t>tag</a:t>
+              <a:t> attribute of a &lt;script&gt; tag</a:t>
             </a:r>
           </a:p>
           <a:p>
@@ -16832,23 +16444,14 @@
             </a:r>
             <a:r>
               <a:rPr lang="en-US" sz="2000" dirty="0" smtClean="0"/>
-              <a:t>: </a:t>
-            </a:r>
-            <a:r>
-              <a:rPr lang="en-US" sz="2000" dirty="0" smtClean="0"/>
-              <a:t>protocol</a:t>
-            </a:r>
-            <a:endParaRPr lang="en-US" sz="2000" dirty="0" smtClean="0"/>
-          </a:p>
-          <a:p>
-            <a:pPr lvl="1"/>
-            <a:r>
-              <a:rPr lang="en-US" sz="2000" dirty="0" smtClean="0"/>
-              <a:t>Note:  A </a:t>
-            </a:r>
-            <a:r>
-              <a:rPr lang="en-US" sz="2000" dirty="0" smtClean="0"/>
-              <a:t>programming philosophy known as </a:t>
+              <a:t>: protocol</a:t>
+            </a:r>
+          </a:p>
+          <a:p>
+            <a:pPr lvl="1"/>
+            <a:r>
+              <a:rPr lang="en-US" sz="2000" dirty="0" smtClean="0"/>
+              <a:t>Note:  A programming philosophy known as </a:t>
             </a:r>
             <a:r>
               <a:rPr lang="en-US" sz="2000" i="1" dirty="0" smtClean="0"/>
@@ -16856,23 +16459,7 @@
             </a:r>
             <a:r>
               <a:rPr lang="en-US" sz="2000" dirty="0" smtClean="0"/>
-              <a:t>JavaScript argues that content (HTML) and behavior (JavaScript code) </a:t>
-            </a:r>
-            <a:r>
-              <a:rPr lang="en-US" sz="2000" dirty="0" smtClean="0"/>
-              <a:t>should </a:t>
-            </a:r>
-            <a:r>
-              <a:rPr lang="en-US" sz="2000" dirty="0" smtClean="0"/>
-              <a:t>as much as possible be kept separate. According to this programming </a:t>
-            </a:r>
-            <a:r>
-              <a:rPr lang="en-US" sz="2000" dirty="0" smtClean="0"/>
-              <a:t>philosophy, </a:t>
-            </a:r>
-            <a:r>
-              <a:rPr lang="en-US" sz="2000" dirty="0" smtClean="0"/>
-              <a:t>JavaScript is best embedded in HTML documents using &lt;script&gt; elements with </a:t>
+              <a:t>JavaScript argues that content (HTML) and behavior (JavaScript code) should as much as possible be kept separate. According to this programming philosophy, JavaScript is best embedded in HTML documents using &lt;script&gt; elements with </a:t>
             </a:r>
             <a:r>
               <a:rPr lang="en-US" sz="2000" dirty="0" err="1" smtClean="0"/>
@@ -16880,13 +16467,8 @@
             </a:r>
             <a:r>
               <a:rPr lang="en-US" sz="2000" dirty="0" smtClean="0"/>
-              <a:t> </a:t>
-            </a:r>
-            <a:r>
-              <a:rPr lang="en-US" sz="2000" dirty="0" smtClean="0"/>
-              <a:t>attributes.</a:t>
-            </a:r>
-            <a:endParaRPr lang="en-US" sz="2000" dirty="0" smtClean="0"/>
+              <a:t> attributes.</a:t>
+            </a:r>
           </a:p>
           <a:p>
             <a:pPr lvl="1">
@@ -16904,7 +16486,7 @@
   <p:timing>
     <p:tnLst>
       <p:par>
-        <p:cTn id="1" dur="indefinite" restart="never" nodeType="tmRoot"/>
+        <p:cTn xmlns:p14="http://schemas.microsoft.com/office/powerpoint/2010/main" id="1" dur="indefinite" restart="never" nodeType="tmRoot"/>
       </p:par>
     </p:tnLst>
   </p:timing>
@@ -16961,9 +16543,6 @@
               </a:rPr>
               <a:t>JavaScript in Web Browsers</a:t>
             </a:r>
-            <a:endParaRPr lang="en-US" sz="3200" dirty="0">
-              <a:latin typeface="+mn-lt"/>
-            </a:endParaRPr>
           </a:p>
         </p:txBody>
       </p:sp>
@@ -16997,50 +16576,33 @@
               <a:rPr lang="en-US" sz="2400" dirty="0" smtClean="0"/>
               <a:t>The &lt;script&gt; Element</a:t>
             </a:r>
-            <a:endParaRPr lang="en-US" sz="2400" dirty="0" smtClean="0"/>
-          </a:p>
-          <a:p>
-            <a:pPr lvl="1"/>
-            <a:r>
-              <a:rPr lang="en-US" sz="2000" dirty="0" smtClean="0"/>
-              <a:t>&lt;script</a:t>
-            </a:r>
-            <a:r>
-              <a:rPr lang="en-US" sz="2000" dirty="0" smtClean="0"/>
-              <a:t>&gt;</a:t>
+          </a:p>
+          <a:p>
+            <a:pPr lvl="1"/>
+            <a:r>
+              <a:rPr lang="en-US" sz="2000" dirty="0" smtClean="0"/>
+              <a:t>&lt;script&gt;</a:t>
             </a:r>
             <a:br>
               <a:rPr lang="en-US" sz="2000" dirty="0" smtClean="0"/>
             </a:br>
             <a:r>
               <a:rPr lang="en-US" sz="2000" dirty="0" smtClean="0"/>
-              <a:t>// Your JavaScript code goes </a:t>
-            </a:r>
-            <a:r>
-              <a:rPr lang="en-US" sz="2000" dirty="0" smtClean="0"/>
-              <a:t>here</a:t>
+              <a:t>// Your JavaScript code goes here</a:t>
             </a:r>
             <a:br>
               <a:rPr lang="en-US" sz="2000" dirty="0" smtClean="0"/>
             </a:br>
             <a:r>
               <a:rPr lang="en-US" sz="2000" dirty="0" smtClean="0"/>
-              <a:t>&lt;/script</a:t>
-            </a:r>
-            <a:r>
-              <a:rPr lang="en-US" sz="2000" dirty="0" smtClean="0"/>
-              <a:t>&gt;</a:t>
-            </a:r>
-          </a:p>
-          <a:p>
-            <a:pPr lvl="1"/>
-            <a:r>
-              <a:rPr lang="en-US" sz="2000" dirty="0" smtClean="0"/>
-              <a:t>If </a:t>
-            </a:r>
-            <a:r>
-              <a:rPr lang="en-US" sz="2000" dirty="0" smtClean="0"/>
-              <a:t>JavaScript code contains the </a:t>
+              <a:t>&lt;/script&gt;</a:t>
+            </a:r>
+          </a:p>
+          <a:p>
+            <a:pPr lvl="1"/>
+            <a:r>
+              <a:rPr lang="en-US" sz="2000" dirty="0" smtClean="0"/>
+              <a:t>If JavaScript code contains the </a:t>
             </a:r>
             <a:r>
               <a:rPr lang="en-US" sz="2000" dirty="0" smtClean="0">
@@ -17064,64 +16626,28 @@
             </a:r>
             <a:r>
               <a:rPr lang="en-US" sz="2000" dirty="0" smtClean="0"/>
-              <a:t>characters, these characters are interpreted as </a:t>
-            </a:r>
-            <a:r>
-              <a:rPr lang="en-US" sz="2000" dirty="0" smtClean="0"/>
-              <a:t>XML </a:t>
-            </a:r>
-            <a:r>
-              <a:rPr lang="en-US" sz="2000" dirty="0" smtClean="0"/>
-              <a:t>markup. For this reason, it is best to put all JavaScript code within a CDATA </a:t>
-            </a:r>
-            <a:r>
-              <a:rPr lang="en-US" sz="2000" dirty="0" smtClean="0"/>
-              <a:t>section </a:t>
-            </a:r>
-            <a:r>
-              <a:rPr lang="en-US" sz="2000" dirty="0" smtClean="0"/>
-              <a:t>if you are using </a:t>
-            </a:r>
-            <a:r>
-              <a:rPr lang="en-US" sz="2000" dirty="0" smtClean="0"/>
-              <a:t>XHTML:</a:t>
+              <a:t>characters, these characters are interpreted as XML markup. For this reason, it is best to put all JavaScript code within a CDATA section if you are using XHTML:</a:t>
             </a:r>
             <a:br>
               <a:rPr lang="en-US" sz="2000" dirty="0" smtClean="0"/>
             </a:br>
             <a:r>
               <a:rPr lang="en-US" sz="2000" dirty="0" smtClean="0"/>
-              <a:t>&lt;script&gt;&lt;![CDATA</a:t>
-            </a:r>
-            <a:r>
-              <a:rPr lang="en-US" sz="2000" dirty="0" smtClean="0"/>
-              <a:t>[</a:t>
+              <a:t>&lt;script&gt;&lt;![CDATA[</a:t>
             </a:r>
             <a:br>
               <a:rPr lang="en-US" sz="2000" dirty="0" smtClean="0"/>
             </a:br>
             <a:r>
               <a:rPr lang="en-US" sz="2000" dirty="0" smtClean="0"/>
-              <a:t>// </a:t>
-            </a:r>
-            <a:r>
-              <a:rPr lang="en-US" sz="2000" dirty="0" smtClean="0"/>
-              <a:t>Your JavaScript code goes </a:t>
-            </a:r>
-            <a:r>
-              <a:rPr lang="en-US" sz="2000" dirty="0" smtClean="0"/>
-              <a:t>here</a:t>
+              <a:t>// Your JavaScript code goes here</a:t>
             </a:r>
             <a:br>
               <a:rPr lang="en-US" sz="2000" dirty="0" smtClean="0"/>
             </a:br>
             <a:r>
               <a:rPr lang="en-US" sz="2000" dirty="0" smtClean="0"/>
-              <a:t> ]]&gt;&lt;/script</a:t>
-            </a:r>
-            <a:r>
-              <a:rPr lang="en-US" sz="2000" dirty="0" smtClean="0"/>
-              <a:t>&gt;</a:t>
+              <a:t> ]]&gt;&lt;/script&gt;</a:t>
             </a:r>
           </a:p>
           <a:p>
@@ -17131,11 +16657,7 @@
             </a:pPr>
             <a:r>
               <a:rPr lang="en-US" sz="2400" dirty="0" smtClean="0"/>
-              <a:t>Scripts in External </a:t>
-            </a:r>
-            <a:r>
-              <a:rPr lang="en-US" sz="2400" dirty="0" smtClean="0"/>
-              <a:t>Files</a:t>
+              <a:t>Scripts in External Files</a:t>
             </a:r>
             <a:endParaRPr lang="en-US" sz="2000" dirty="0" smtClean="0"/>
           </a:p>
@@ -17151,11 +16673,7 @@
             </a:r>
             <a:r>
               <a:rPr lang="en-US" sz="2000" dirty="0" smtClean="0"/>
-              <a:t>="../../scripts/util.js"&gt;&lt;/script</a:t>
-            </a:r>
-            <a:r>
-              <a:rPr lang="en-US" sz="2000" dirty="0" smtClean="0"/>
-              <a:t>&gt;</a:t>
+              <a:t>="../../scripts/util.js"&gt;&lt;/script&gt;</a:t>
             </a:r>
           </a:p>
           <a:p>
@@ -17170,27 +16688,7 @@
             </a:r>
             <a:r>
               <a:rPr lang="en-US" sz="2000" dirty="0" smtClean="0"/>
-              <a:t> attribute, any content between the opening and </a:t>
-            </a:r>
-            <a:r>
-              <a:rPr lang="en-US" sz="2000" dirty="0" smtClean="0"/>
-              <a:t>closing </a:t>
-            </a:r>
-            <a:r>
-              <a:rPr lang="en-US" sz="2000" dirty="0" smtClean="0"/>
-              <a:t>&lt;script&gt; tags is ignored. If desired, you can use the content of the &lt;script&gt; tag to </a:t>
-            </a:r>
-            <a:r>
-              <a:rPr lang="en-US" sz="2000" dirty="0" smtClean="0"/>
-              <a:t>include </a:t>
-            </a:r>
-            <a:r>
-              <a:rPr lang="en-US" sz="2000" dirty="0" smtClean="0"/>
-              <a:t>documentation or copyright information for the included </a:t>
-            </a:r>
-            <a:r>
-              <a:rPr lang="en-US" sz="2000" dirty="0" smtClean="0"/>
-              <a:t>code</a:t>
+              <a:t> attribute, any content between the opening and closing &lt;script&gt; tags is ignored. If desired, you can use the content of the &lt;script&gt; tag to include documentation or copyright information for the included code</a:t>
             </a:r>
           </a:p>
         </p:txBody>
@@ -17203,7 +16701,7 @@
   <p:timing>
     <p:tnLst>
       <p:par>
-        <p:cTn id="1" dur="indefinite" restart="never" nodeType="tmRoot"/>
+        <p:cTn xmlns:p14="http://schemas.microsoft.com/office/powerpoint/2010/main" id="1" dur="indefinite" restart="never" nodeType="tmRoot"/>
       </p:par>
     </p:tnLst>
   </p:timing>
@@ -17386,7 +16884,7 @@
   <p:timing>
     <p:tnLst>
       <p:par>
-        <p:cTn id="1" dur="indefinite" restart="never" nodeType="tmRoot"/>
+        <p:cTn xmlns:p14="http://schemas.microsoft.com/office/powerpoint/2010/main" id="1" dur="indefinite" restart="never" nodeType="tmRoot"/>
       </p:par>
     </p:tnLst>
   </p:timing>
@@ -17535,7 +17033,7 @@
   <p:timing>
     <p:tnLst>
       <p:par>
-        <p:cTn id="1" dur="indefinite" restart="never" nodeType="tmRoot"/>
+        <p:cTn xmlns:p14="http://schemas.microsoft.com/office/powerpoint/2010/main" id="1" dur="indefinite" restart="never" nodeType="tmRoot"/>
       </p:par>
     </p:tnLst>
   </p:timing>
@@ -17666,7 +17164,7 @@
   <p:timing>
     <p:tnLst>
       <p:par>
-        <p:cTn id="1" dur="indefinite" restart="never" nodeType="tmRoot"/>
+        <p:cTn xmlns:p14="http://schemas.microsoft.com/office/powerpoint/2010/main" id="1" dur="indefinite" restart="never" nodeType="tmRoot"/>
       </p:par>
     </p:tnLst>
   </p:timing>
@@ -17889,7 +17387,7 @@
   <p:timing>
     <p:tnLst>
       <p:par>
-        <p:cTn id="1" dur="indefinite" restart="never" nodeType="tmRoot"/>
+        <p:cTn xmlns:p14="http://schemas.microsoft.com/office/powerpoint/2010/main" id="1" dur="indefinite" restart="never" nodeType="tmRoot"/>
       </p:par>
     </p:tnLst>
   </p:timing>
@@ -18016,7 +17514,7 @@
   <p:timing>
     <p:tnLst>
       <p:par>
-        <p:cTn id="1" dur="indefinite" restart="never" nodeType="tmRoot"/>
+        <p:cTn xmlns:p14="http://schemas.microsoft.com/office/powerpoint/2010/main" id="1" dur="indefinite" restart="never" nodeType="tmRoot"/>
       </p:par>
     </p:tnLst>
   </p:timing>
@@ -18259,7 +17757,7 @@
   <p:timing>
     <p:tnLst>
       <p:par>
-        <p:cTn id="1" dur="indefinite" restart="never" nodeType="tmRoot"/>
+        <p:cTn xmlns:p14="http://schemas.microsoft.com/office/powerpoint/2010/main" id="1" dur="indefinite" restart="never" nodeType="tmRoot"/>
       </p:par>
     </p:tnLst>
   </p:timing>
@@ -18370,18 +17868,26 @@
             </a:br>
             <a:r>
               <a:rPr lang="en-US" sz="2000" dirty="0" smtClean="0"/>
-              <a:t> undefined, null, 0, -0, </a:t>
-            </a:r>
-            <a:r>
-              <a:rPr lang="en-US" sz="2000" dirty="0" err="1" smtClean="0"/>
+              <a:t> </a:t>
+            </a:r>
+            <a:r>
+              <a:rPr lang="zh-CN" altLang="en-US" sz="2000" dirty="0" smtClean="0"/>
+              <a:t>  </a:t>
+            </a:r>
+            <a:r>
+              <a:rPr lang="en-US" sz="2000" i="1" dirty="0" smtClean="0"/>
+              <a:t>undefined, null, 0, -0, </a:t>
+            </a:r>
+            <a:r>
+              <a:rPr lang="en-US" sz="2000" i="1" dirty="0" err="1" smtClean="0"/>
               <a:t>NaN</a:t>
             </a:r>
             <a:r>
-              <a:rPr lang="en-US" sz="2000" dirty="0" smtClean="0"/>
+              <a:rPr lang="en-US" sz="2000" i="1" dirty="0" smtClean="0"/>
               <a:t>, </a:t>
             </a:r>
             <a:r>
-              <a:rPr lang="en-US" sz="2000" b="1" dirty="0" smtClean="0">
+              <a:rPr lang="en-US" sz="2000" b="1" i="1" dirty="0" smtClean="0">
                 <a:solidFill>
                   <a:srgbClr val="FF0000"/>
                 </a:solidFill>
@@ -18568,7 +18074,7 @@
   <p:timing>
     <p:tnLst>
       <p:par>
-        <p:cTn id="1" dur="indefinite" restart="never" nodeType="tmRoot"/>
+        <p:cTn xmlns:p14="http://schemas.microsoft.com/office/powerpoint/2010/main" id="1" dur="indefinite" restart="never" nodeType="tmRoot"/>
       </p:par>
     </p:tnLst>
   </p:timing>
@@ -18718,7 +18224,7 @@
   <p:timing>
     <p:tnLst>
       <p:par>
-        <p:cTn id="1" dur="indefinite" restart="never" nodeType="tmRoot"/>
+        <p:cTn xmlns:p14="http://schemas.microsoft.com/office/powerpoint/2010/main" id="1" dur="indefinite" restart="never" nodeType="tmRoot"/>
       </p:par>
     </p:tnLst>
   </p:timing>
@@ -18891,7 +18397,19 @@
             <a:pPr lvl="1"/>
             <a:r>
               <a:rPr lang="en-US" sz="2000" dirty="0" smtClean="0"/>
-              <a:t>In top-level code—JavaScript code that is not part of a function—you can use the JavaScript keyword this to refer to the global object:</a:t>
+              <a:t>In top-level code—JavaScript code that is not part of a function—you can use the JavaScript keyword </a:t>
+            </a:r>
+            <a:r>
+              <a:rPr lang="en-US" sz="2000" b="1" dirty="0" smtClean="0">
+                <a:solidFill>
+                  <a:srgbClr val="FF6600"/>
+                </a:solidFill>
+              </a:rPr>
+              <a:t>this</a:t>
+            </a:r>
+            <a:r>
+              <a:rPr lang="en-US" sz="2000" dirty="0" smtClean="0"/>
+              <a:t> to refer to the global object:</a:t>
             </a:r>
             <a:br>
               <a:rPr lang="en-US" sz="2000" dirty="0" smtClean="0"/>
@@ -18970,7 +18488,7 @@
   <p:timing>
     <p:tnLst>
       <p:par>
-        <p:cTn id="1" dur="indefinite" restart="never" nodeType="tmRoot"/>
+        <p:cTn xmlns:p14="http://schemas.microsoft.com/office/powerpoint/2010/main" id="1" dur="indefinite" restart="never" nodeType="tmRoot"/>
       </p:par>
     </p:tnLst>
   </p:timing>
@@ -19084,14 +18602,29 @@
             </a:r>
             <a:r>
               <a:rPr lang="en-US" sz="2000" dirty="0" smtClean="0"/>
-              <a:t> s = "hello world!";</a:t>
+              <a:t> s = “hello world!”;</a:t>
             </a:r>
             <a:br>
               <a:rPr lang="en-US" sz="2000" dirty="0" smtClean="0"/>
             </a:br>
             <a:r>
               <a:rPr lang="en-US" sz="2000" dirty="0" smtClean="0"/>
-              <a:t>// JS converts s to a String object first, then access the properties and // then die</a:t>
+              <a:t>// JS converts s to a String object first, </a:t>
+            </a:r>
+            <a:br>
+              <a:rPr lang="en-US" sz="2000" dirty="0" smtClean="0"/>
+            </a:br>
+            <a:r>
+              <a:rPr lang="en-US" altLang="zh-CN" sz="2000" dirty="0" smtClean="0"/>
+              <a:t>//</a:t>
+            </a:r>
+            <a:r>
+              <a:rPr lang="zh-CN" altLang="en-US" sz="2000" dirty="0" smtClean="0"/>
+              <a:t> </a:t>
+            </a:r>
+            <a:r>
+              <a:rPr lang="en-US" sz="2000" dirty="0" smtClean="0"/>
+              <a:t>then access the properties and then die</a:t>
             </a:r>
             <a:br>
               <a:rPr lang="en-US" sz="2000" dirty="0" smtClean="0"/>
@@ -19187,7 +18720,7 @@
   <p:timing>
     <p:tnLst>
       <p:par>
-        <p:cTn id="1" dur="indefinite" restart="never" nodeType="tmRoot"/>
+        <p:cTn xmlns:p14="http://schemas.microsoft.com/office/powerpoint/2010/main" id="1" dur="indefinite" restart="never" nodeType="tmRoot"/>
       </p:par>
     </p:tnLst>
   </p:timing>
@@ -19386,7 +18919,7 @@
   <p:timing>
     <p:tnLst>
       <p:par>
-        <p:cTn id="1" dur="indefinite" restart="never" nodeType="tmRoot"/>
+        <p:cTn xmlns:p14="http://schemas.microsoft.com/office/powerpoint/2010/main" id="1" dur="indefinite" restart="never" nodeType="tmRoot"/>
       </p:par>
     </p:tnLst>
   </p:timing>
@@ -19480,7 +19013,7 @@
   <p:timing>
     <p:tnLst>
       <p:par>
-        <p:cTn id="1" dur="indefinite" restart="never" nodeType="tmRoot"/>
+        <p:cTn xmlns:p14="http://schemas.microsoft.com/office/powerpoint/2010/main" id="1" dur="indefinite" restart="never" nodeType="tmRoot"/>
       </p:par>
     </p:tnLst>
   </p:timing>
@@ -19643,7 +19176,39 @@
             <a:pPr lvl="1"/>
             <a:r>
               <a:rPr lang="en-US" sz="2000" dirty="0" smtClean="0"/>
-              <a:t>Note that any value other than null or undefined has a </a:t>
+              <a:t>Note that any value other than </a:t>
+            </a:r>
+            <a:r>
+              <a:rPr lang="en-US" sz="2000" i="1" dirty="0" smtClean="0">
+                <a:solidFill>
+                  <a:srgbClr val="FF6600"/>
+                </a:solidFill>
+              </a:rPr>
+              <a:t>null</a:t>
+            </a:r>
+            <a:r>
+              <a:rPr lang="en-US" sz="2000" dirty="0" smtClean="0">
+                <a:solidFill>
+                  <a:srgbClr val="FF6600"/>
+                </a:solidFill>
+              </a:rPr>
+              <a:t> </a:t>
+            </a:r>
+            <a:r>
+              <a:rPr lang="en-US" sz="2000" dirty="0" smtClean="0"/>
+              <a:t>or </a:t>
+            </a:r>
+            <a:r>
+              <a:rPr lang="en-US" sz="2000" i="1" dirty="0" smtClean="0">
+                <a:solidFill>
+                  <a:srgbClr val="FF6600"/>
+                </a:solidFill>
+              </a:rPr>
+              <a:t>undefined</a:t>
+            </a:r>
+            <a:r>
+              <a:rPr lang="en-US" sz="2000" dirty="0" smtClean="0"/>
+              <a:t> has a </a:t>
             </a:r>
             <a:r>
               <a:rPr lang="en-US" sz="2000" dirty="0" err="1" smtClean="0"/>
@@ -19672,7 +19237,7 @@
   <p:timing>
     <p:tnLst>
       <p:par>
-        <p:cTn id="1" dur="indefinite" restart="never" nodeType="tmRoot"/>
+        <p:cTn xmlns:p14="http://schemas.microsoft.com/office/powerpoint/2010/main" id="1" dur="indefinite" restart="never" nodeType="tmRoot"/>
       </p:par>
     </p:tnLst>
   </p:timing>
@@ -19820,7 +19385,7 @@
   <p:timing>
     <p:tnLst>
       <p:par>
-        <p:cTn id="1" dur="indefinite" restart="never" nodeType="tmRoot"/>
+        <p:cTn xmlns:p14="http://schemas.microsoft.com/office/powerpoint/2010/main" id="1" dur="indefinite" restart="never" nodeType="tmRoot"/>
       </p:par>
     </p:tnLst>
   </p:timing>
@@ -19985,7 +19550,7 @@
   <p:timing>
     <p:tnLst>
       <p:par>
-        <p:cTn id="1" dur="indefinite" restart="never" nodeType="tmRoot"/>
+        <p:cTn xmlns:p14="http://schemas.microsoft.com/office/powerpoint/2010/main" id="1" dur="indefinite" restart="never" nodeType="tmRoot"/>
       </p:par>
     </p:tnLst>
   </p:timing>
@@ -20134,7 +19699,7 @@
   <p:timing>
     <p:tnLst>
       <p:par>
-        <p:cTn id="1" dur="indefinite" restart="never" nodeType="tmRoot"/>
+        <p:cTn xmlns:p14="http://schemas.microsoft.com/office/powerpoint/2010/main" id="1" dur="indefinite" restart="never" nodeType="tmRoot"/>
       </p:par>
     </p:tnLst>
   </p:timing>
@@ -20369,7 +19934,7 @@
   <p:timing>
     <p:tnLst>
       <p:par>
-        <p:cTn id="1" dur="indefinite" restart="never" nodeType="tmRoot"/>
+        <p:cTn xmlns:p14="http://schemas.microsoft.com/office/powerpoint/2010/main" id="1" dur="indefinite" restart="never" nodeType="tmRoot"/>
       </p:par>
     </p:tnLst>
   </p:timing>
@@ -20539,7 +20104,7 @@
   <p:timing>
     <p:tnLst>
       <p:par>
-        <p:cTn id="1" dur="indefinite" restart="never" nodeType="tmRoot"/>
+        <p:cTn xmlns:p14="http://schemas.microsoft.com/office/powerpoint/2010/main" id="1" dur="indefinite" restart="never" nodeType="tmRoot"/>
       </p:par>
     </p:tnLst>
   </p:timing>
@@ -20697,7 +20262,7 @@
   <p:timing>
     <p:tnLst>
       <p:par>
-        <p:cTn id="1" dur="indefinite" restart="never" nodeType="tmRoot"/>
+        <p:cTn xmlns:p14="http://schemas.microsoft.com/office/powerpoint/2010/main" id="1" dur="indefinite" restart="never" nodeType="tmRoot"/>
       </p:par>
     </p:tnLst>
   </p:timing>
@@ -20861,7 +20426,7 @@
   <p:timing>
     <p:tnLst>
       <p:par>
-        <p:cTn id="1" dur="indefinite" restart="never" nodeType="tmRoot"/>
+        <p:cTn xmlns:p14="http://schemas.microsoft.com/office/powerpoint/2010/main" id="1" dur="indefinite" restart="never" nodeType="tmRoot"/>
       </p:par>
     </p:tnLst>
   </p:timing>
@@ -20945,6 +20510,15 @@
               <a:rPr lang="en-US" sz="2400" dirty="0" smtClean="0"/>
               <a:t>Scope chain</a:t>
             </a:r>
+            <a:r>
+              <a:rPr lang="zh-CN" altLang="en-US" sz="2400" dirty="0" smtClean="0"/>
+              <a:t> </a:t>
+            </a:r>
+            <a:r>
+              <a:rPr lang="en-US" altLang="zh-CN" sz="2400" dirty="0" smtClean="0"/>
+              <a:t>(closure)</a:t>
+            </a:r>
+            <a:endParaRPr lang="en-US" sz="2400" dirty="0" smtClean="0"/>
           </a:p>
           <a:p>
             <a:pPr lvl="1"/>
@@ -21045,7 +20619,7 @@
   <p:timing>
     <p:tnLst>
       <p:par>
-        <p:cTn id="1" dur="indefinite" restart="never" nodeType="tmRoot"/>
+        <p:cTn xmlns:p14="http://schemas.microsoft.com/office/powerpoint/2010/main" id="1" dur="indefinite" restart="never" nodeType="tmRoot"/>
       </p:par>
     </p:tnLst>
   </p:timing>
@@ -21359,7 +20933,7 @@
   <p:timing>
     <p:tnLst>
       <p:par>
-        <p:cTn id="1" dur="indefinite" restart="never" nodeType="tmRoot"/>
+        <p:cTn xmlns:p14="http://schemas.microsoft.com/office/powerpoint/2010/main" id="1" dur="indefinite" restart="never" nodeType="tmRoot"/>
       </p:par>
     </p:tnLst>
   </p:timing>
@@ -21599,7 +21173,7 @@
   <p:timing>
     <p:tnLst>
       <p:par>
-        <p:cTn id="1" dur="indefinite" restart="never" nodeType="tmRoot"/>
+        <p:cTn xmlns:p14="http://schemas.microsoft.com/office/powerpoint/2010/main" id="1" dur="indefinite" restart="never" nodeType="tmRoot"/>
       </p:par>
     </p:tnLst>
   </p:timing>
@@ -21723,7 +21297,7 @@
   <p:timing>
     <p:tnLst>
       <p:par>
-        <p:cTn id="1" dur="indefinite" restart="never" nodeType="tmRoot"/>
+        <p:cTn xmlns:p14="http://schemas.microsoft.com/office/powerpoint/2010/main" id="1" dur="indefinite" restart="never" nodeType="tmRoot"/>
       </p:par>
     </p:tnLst>
   </p:timing>
@@ -21850,7 +21424,7 @@
   <p:timing>
     <p:tnLst>
       <p:par>
-        <p:cTn id="1" dur="indefinite" restart="never" nodeType="tmRoot"/>
+        <p:cTn xmlns:p14="http://schemas.microsoft.com/office/powerpoint/2010/main" id="1" dur="indefinite" restart="never" nodeType="tmRoot"/>
       </p:par>
     </p:tnLst>
   </p:timing>
@@ -21914,7 +21488,7 @@
   <p:timing>
     <p:tnLst>
       <p:par>
-        <p:cTn id="1" dur="indefinite" restart="never" nodeType="tmRoot"/>
+        <p:cTn xmlns:p14="http://schemas.microsoft.com/office/powerpoint/2010/main" id="1" dur="indefinite" restart="never" nodeType="tmRoot"/>
       </p:par>
     </p:tnLst>
   </p:timing>
@@ -22130,7 +21704,7 @@
   <p:timing>
     <p:tnLst>
       <p:par>
-        <p:cTn id="1" dur="indefinite" restart="never" nodeType="tmRoot"/>
+        <p:cTn xmlns:p14="http://schemas.microsoft.com/office/powerpoint/2010/main" id="1" dur="indefinite" restart="never" nodeType="tmRoot"/>
       </p:par>
     </p:tnLst>
   </p:timing>
@@ -22300,7 +21874,7 @@
   <p:timing>
     <p:tnLst>
       <p:par>
-        <p:cTn id="1" dur="indefinite" restart="never" nodeType="tmRoot"/>
+        <p:cTn xmlns:p14="http://schemas.microsoft.com/office/powerpoint/2010/main" id="1" dur="indefinite" restart="never" nodeType="tmRoot"/>
       </p:par>
     </p:tnLst>
   </p:timing>
@@ -22440,7 +22014,7 @@
   <p:timing>
     <p:tnLst>
       <p:par>
-        <p:cTn id="1" dur="indefinite" restart="never" nodeType="tmRoot"/>
+        <p:cTn xmlns:p14="http://schemas.microsoft.com/office/powerpoint/2010/main" id="1" dur="indefinite" restart="never" nodeType="tmRoot"/>
       </p:par>
     </p:tnLst>
   </p:timing>
@@ -22511,7 +22085,7 @@
   <p:timing>
     <p:tnLst>
       <p:par>
-        <p:cTn id="1" dur="indefinite" restart="never" nodeType="tmRoot"/>
+        <p:cTn xmlns:p14="http://schemas.microsoft.com/office/powerpoint/2010/main" id="1" dur="indefinite" restart="never" nodeType="tmRoot"/>
       </p:par>
     </p:tnLst>
   </p:timing>
@@ -22644,11 +22218,11 @@
             </a:br>
             <a:r>
               <a:rPr lang="en-US" sz="2000" dirty="0" smtClean="0"/>
-              <a:t>"z" in point // =&gt; false: object has no "z" </a:t>
-            </a:r>
-            <a:r>
-              <a:rPr lang="en-US" sz="2000" dirty="0" err="1" smtClean="0"/>
-              <a:t>propert</a:t>
+              <a:t>"z" in point // =&gt; false: object has no "z" propert</a:t>
+            </a:r>
+            <a:r>
+              <a:rPr lang="en-US" altLang="zh-CN" sz="2000" dirty="0" smtClean="0"/>
+              <a:t>y</a:t>
             </a:r>
             <a:endParaRPr lang="en-US" sz="2000" dirty="0" smtClean="0"/>
           </a:p>
@@ -22758,7 +22332,7 @@
   <p:timing>
     <p:tnLst>
       <p:par>
-        <p:cTn id="1" dur="indefinite" restart="never" nodeType="tmRoot"/>
+        <p:cTn xmlns:p14="http://schemas.microsoft.com/office/powerpoint/2010/main" id="1" dur="indefinite" restart="never" nodeType="tmRoot"/>
       </p:par>
     </p:tnLst>
   </p:timing>
@@ -22909,7 +22483,7 @@
   <p:timing>
     <p:tnLst>
       <p:par>
-        <p:cTn id="1" dur="indefinite" restart="never" nodeType="tmRoot"/>
+        <p:cTn xmlns:p14="http://schemas.microsoft.com/office/powerpoint/2010/main" id="1" dur="indefinite" restart="never" nodeType="tmRoot"/>
       </p:par>
     </p:tnLst>
   </p:timing>
@@ -23071,7 +22645,7 @@
   <p:timing>
     <p:tnLst>
       <p:par>
-        <p:cTn id="1" dur="indefinite" restart="never" nodeType="tmRoot"/>
+        <p:cTn xmlns:p14="http://schemas.microsoft.com/office/powerpoint/2010/main" id="1" dur="indefinite" restart="never" nodeType="tmRoot"/>
       </p:par>
     </p:tnLst>
   </p:timing>
@@ -23272,7 +22846,7 @@
   <p:timing>
     <p:tnLst>
       <p:par>
-        <p:cTn id="1" dur="indefinite" restart="never" nodeType="tmRoot"/>
+        <p:cTn xmlns:p14="http://schemas.microsoft.com/office/powerpoint/2010/main" id="1" dur="indefinite" restart="never" nodeType="tmRoot"/>
       </p:par>
     </p:tnLst>
   </p:timing>
@@ -23418,7 +22992,7 @@
   <p:timing>
     <p:tnLst>
       <p:par>
-        <p:cTn id="1" dur="indefinite" restart="never" nodeType="tmRoot"/>
+        <p:cTn xmlns:p14="http://schemas.microsoft.com/office/powerpoint/2010/main" id="1" dur="indefinite" restart="never" nodeType="tmRoot"/>
       </p:par>
     </p:tnLst>
   </p:timing>
@@ -23629,7 +23203,7 @@
   <p:timing>
     <p:tnLst>
       <p:par>
-        <p:cTn id="1" dur="indefinite" restart="never" nodeType="tmRoot"/>
+        <p:cTn xmlns:p14="http://schemas.microsoft.com/office/powerpoint/2010/main" id="1" dur="indefinite" restart="never" nodeType="tmRoot"/>
       </p:par>
     </p:tnLst>
   </p:timing>
@@ -23772,7 +23346,7 @@
   <p:timing>
     <p:tnLst>
       <p:par>
-        <p:cTn id="1" dur="indefinite" restart="never" nodeType="tmRoot"/>
+        <p:cTn xmlns:p14="http://schemas.microsoft.com/office/powerpoint/2010/main" id="1" dur="indefinite" restart="never" nodeType="tmRoot"/>
       </p:par>
     </p:tnLst>
   </p:timing>
@@ -23899,7 +23473,7 @@
   <p:timing>
     <p:tnLst>
       <p:par>
-        <p:cTn id="1" dur="indefinite" restart="never" nodeType="tmRoot"/>
+        <p:cTn xmlns:p14="http://schemas.microsoft.com/office/powerpoint/2010/main" id="1" dur="indefinite" restart="never" nodeType="tmRoot"/>
       </p:par>
     </p:tnLst>
   </p:timing>
@@ -24026,7 +23600,7 @@
   <p:timing>
     <p:tnLst>
       <p:par>
-        <p:cTn id="1" dur="indefinite" restart="never" nodeType="tmRoot"/>
+        <p:cTn xmlns:p14="http://schemas.microsoft.com/office/powerpoint/2010/main" id="1" dur="indefinite" restart="never" nodeType="tmRoot"/>
       </p:par>
     </p:tnLst>
   </p:timing>
@@ -24236,7 +23810,7 @@
   <p:timing>
     <p:tnLst>
       <p:par>
-        <p:cTn id="1" dur="indefinite" restart="never" nodeType="tmRoot"/>
+        <p:cTn xmlns:p14="http://schemas.microsoft.com/office/powerpoint/2010/main" id="1" dur="indefinite" restart="never" nodeType="tmRoot"/>
       </p:par>
     </p:tnLst>
   </p:timing>
@@ -24370,7 +23944,7 @@
   <p:timing>
     <p:tnLst>
       <p:par>
-        <p:cTn id="1" dur="indefinite" restart="never" nodeType="tmRoot"/>
+        <p:cTn xmlns:p14="http://schemas.microsoft.com/office/powerpoint/2010/main" id="1" dur="indefinite" restart="never" nodeType="tmRoot"/>
       </p:par>
     </p:tnLst>
   </p:timing>
@@ -24623,7 +24197,7 @@
   <p:timing>
     <p:tnLst>
       <p:par>
-        <p:cTn id="1" dur="indefinite" restart="never" nodeType="tmRoot"/>
+        <p:cTn xmlns:p14="http://schemas.microsoft.com/office/powerpoint/2010/main" id="1" dur="indefinite" restart="never" nodeType="tmRoot"/>
       </p:par>
     </p:tnLst>
   </p:timing>
@@ -24820,7 +24394,7 @@
   <p:timing>
     <p:tnLst>
       <p:par>
-        <p:cTn id="1" dur="indefinite" restart="never" nodeType="tmRoot"/>
+        <p:cTn xmlns:p14="http://schemas.microsoft.com/office/powerpoint/2010/main" id="1" dur="indefinite" restart="never" nodeType="tmRoot"/>
       </p:par>
     </p:tnLst>
   </p:timing>
@@ -25042,7 +24616,7 @@
   <p:timing>
     <p:tnLst>
       <p:par>
-        <p:cTn id="1" dur="indefinite" restart="never" nodeType="tmRoot"/>
+        <p:cTn xmlns:p14="http://schemas.microsoft.com/office/powerpoint/2010/main" id="1" dur="indefinite" restart="never" nodeType="tmRoot"/>
       </p:par>
     </p:tnLst>
   </p:timing>
@@ -26022,7 +25596,7 @@
   <p:timing>
     <p:tnLst>
       <p:par>
-        <p:cTn id="1" dur="indefinite" restart="never" nodeType="tmRoot"/>
+        <p:cTn xmlns:p14="http://schemas.microsoft.com/office/powerpoint/2010/main" id="1" dur="indefinite" restart="never" nodeType="tmRoot"/>
       </p:par>
     </p:tnLst>
   </p:timing>
@@ -26183,7 +25757,7 @@
   <p:timing>
     <p:tnLst>
       <p:par>
-        <p:cTn id="1" dur="indefinite" restart="never" nodeType="tmRoot"/>
+        <p:cTn xmlns:p14="http://schemas.microsoft.com/office/powerpoint/2010/main" id="1" dur="indefinite" restart="never" nodeType="tmRoot"/>
       </p:par>
     </p:tnLst>
   </p:timing>
@@ -26304,7 +25878,7 @@
   <p:timing>
     <p:tnLst>
       <p:par>
-        <p:cTn id="1" dur="indefinite" restart="never" nodeType="tmRoot"/>
+        <p:cTn xmlns:p14="http://schemas.microsoft.com/office/powerpoint/2010/main" id="1" dur="indefinite" restart="never" nodeType="tmRoot"/>
       </p:par>
     </p:tnLst>
   </p:timing>
@@ -26457,7 +26031,7 @@
   <p:timing>
     <p:tnLst>
       <p:par>
-        <p:cTn id="1" dur="indefinite" restart="never" nodeType="tmRoot"/>
+        <p:cTn xmlns:p14="http://schemas.microsoft.com/office/powerpoint/2010/main" id="1" dur="indefinite" restart="never" nodeType="tmRoot"/>
       </p:par>
     </p:tnLst>
   </p:timing>
@@ -26578,7 +26152,7 @@
   <p:timing>
     <p:tnLst>
       <p:par>
-        <p:cTn id="1" dur="indefinite" restart="never" nodeType="tmRoot"/>
+        <p:cTn xmlns:p14="http://schemas.microsoft.com/office/powerpoint/2010/main" id="1" dur="indefinite" restart="never" nodeType="tmRoot"/>
       </p:par>
     </p:tnLst>
   </p:timing>
@@ -26739,7 +26313,7 @@
   <p:timing>
     <p:tnLst>
       <p:par>
-        <p:cTn id="1" dur="indefinite" restart="never" nodeType="tmRoot"/>
+        <p:cTn xmlns:p14="http://schemas.microsoft.com/office/powerpoint/2010/main" id="1" dur="indefinite" restart="never" nodeType="tmRoot"/>
       </p:par>
     </p:tnLst>
   </p:timing>
@@ -26893,7 +26467,7 @@
   <p:timing>
     <p:tnLst>
       <p:par>
-        <p:cTn id="1" dur="indefinite" restart="never" nodeType="tmRoot"/>
+        <p:cTn xmlns:p14="http://schemas.microsoft.com/office/powerpoint/2010/main" id="1" dur="indefinite" restart="never" nodeType="tmRoot"/>
       </p:par>
     </p:tnLst>
   </p:timing>
@@ -27002,28 +26576,64 @@
               <a:t>Many client-side JavaScript objects and properties have the same names as the HTML tags and attributes they represent. While these tags and attribute names can be typed in any case in HTML, in JavaScript they typically must be all lowercase. For example, in HTML </a:t>
             </a:r>
             <a:r>
-              <a:rPr lang="en-US" sz="2000" dirty="0" err="1" smtClean="0"/>
+              <a:rPr lang="en-US" sz="2000" i="1" dirty="0" err="1" smtClean="0">
+                <a:solidFill>
+                  <a:srgbClr val="008000"/>
+                </a:solidFill>
+              </a:rPr>
               <a:t>onclick</a:t>
             </a:r>
             <a:r>
-              <a:rPr lang="en-US" sz="2000" dirty="0" smtClean="0"/>
-              <a:t> or </a:t>
-            </a:r>
-            <a:r>
-              <a:rPr lang="en-US" sz="2000" dirty="0" err="1" smtClean="0"/>
+              <a:rPr lang="en-US" sz="2000" dirty="0" smtClean="0">
+                <a:solidFill>
+                  <a:srgbClr val="008000"/>
+                </a:solidFill>
+              </a:rPr>
+              <a:t> </a:t>
+            </a:r>
+            <a:r>
+              <a:rPr lang="en-US" sz="2000" dirty="0" smtClean="0"/>
+              <a:t>or </a:t>
+            </a:r>
+            <a:r>
+              <a:rPr lang="en-US" sz="2000" i="1" dirty="0" err="1" smtClean="0">
+                <a:solidFill>
+                  <a:srgbClr val="008000"/>
+                </a:solidFill>
+              </a:rPr>
               <a:t>onClick</a:t>
             </a:r>
             <a:r>
-              <a:rPr lang="en-US" sz="2000" dirty="0" smtClean="0"/>
-              <a:t> can be used for event handler, but must be specified as </a:t>
-            </a:r>
-            <a:r>
-              <a:rPr lang="en-US" sz="2000" dirty="0" err="1" smtClean="0"/>
+              <a:rPr lang="en-US" sz="2000" dirty="0" smtClean="0">
+                <a:solidFill>
+                  <a:srgbClr val="008000"/>
+                </a:solidFill>
+              </a:rPr>
+              <a:t> </a:t>
+            </a:r>
+            <a:r>
+              <a:rPr lang="en-US" sz="2000" dirty="0" smtClean="0"/>
+              <a:t>can be used for event handler, but must be specified as </a:t>
+            </a:r>
+            <a:r>
+              <a:rPr lang="en-US" sz="2000" i="1" dirty="0" err="1" smtClean="0">
+                <a:solidFill>
+                  <a:srgbClr val="008000"/>
+                </a:solidFill>
+              </a:rPr>
               <a:t>onclick</a:t>
             </a:r>
             <a:r>
-              <a:rPr lang="en-US" sz="2000" dirty="0" smtClean="0"/>
-              <a:t> in JavaScript code (or in XHTML documents)</a:t>
+              <a:rPr lang="en-US" sz="2000" dirty="0" smtClean="0">
+                <a:solidFill>
+                  <a:srgbClr val="008000"/>
+                </a:solidFill>
+              </a:rPr>
+              <a:t> </a:t>
+            </a:r>
+            <a:r>
+              <a:rPr lang="en-US" sz="2000" dirty="0" smtClean="0"/>
+              <a:t>in JavaScript code (or in XHTML documents)</a:t>
             </a:r>
           </a:p>
           <a:p>
@@ -27089,7 +26699,7 @@
   <p:timing>
     <p:tnLst>
       <p:par>
-        <p:cTn id="1" dur="indefinite" restart="never" nodeType="tmRoot"/>
+        <p:cTn xmlns:p14="http://schemas.microsoft.com/office/powerpoint/2010/main" id="1" dur="indefinite" restart="never" nodeType="tmRoot"/>
       </p:par>
     </p:tnLst>
   </p:timing>
@@ -27255,19 +26865,39 @@
           <a:p>
             <a:pPr lvl="1"/>
             <a:r>
-              <a:rPr lang="en-US" sz="2000" dirty="0" smtClean="0"/>
-              <a:t>Data property descriptor: value, writable, enumerable, configurable</a:t>
-            </a:r>
-          </a:p>
-          <a:p>
-            <a:pPr lvl="1"/>
-            <a:r>
-              <a:rPr lang="en-US" sz="2000" dirty="0" err="1" smtClean="0"/>
+              <a:rPr lang="en-US" sz="2000" dirty="0" smtClean="0">
+                <a:solidFill>
+                  <a:srgbClr val="008000"/>
+                </a:solidFill>
+              </a:rPr>
+              <a:t>Data property descriptor</a:t>
+            </a:r>
+            <a:r>
+              <a:rPr lang="en-US" sz="2000" dirty="0" smtClean="0"/>
+              <a:t>: value, writable, enumerable, configurable</a:t>
+            </a:r>
+          </a:p>
+          <a:p>
+            <a:pPr lvl="1"/>
+            <a:r>
+              <a:rPr lang="en-US" sz="2000" dirty="0" err="1" smtClean="0">
+                <a:solidFill>
+                  <a:srgbClr val="008000"/>
+                </a:solidFill>
+              </a:rPr>
               <a:t>Accessor</a:t>
             </a:r>
             <a:r>
-              <a:rPr lang="en-US" sz="2000" dirty="0" smtClean="0"/>
-              <a:t> property descriptor: get, set, enumerable, configurable</a:t>
+              <a:rPr lang="en-US" sz="2000" dirty="0" smtClean="0">
+                <a:solidFill>
+                  <a:srgbClr val="008000"/>
+                </a:solidFill>
+              </a:rPr>
+              <a:t> property descriptor</a:t>
+            </a:r>
+            <a:r>
+              <a:rPr lang="en-US" sz="2000" dirty="0" smtClean="0"/>
+              <a:t>: get, set, enumerable, configurable</a:t>
             </a:r>
           </a:p>
           <a:p>
@@ -27313,7 +26943,7 @@
   <p:timing>
     <p:tnLst>
       <p:par>
-        <p:cTn id="1" dur="indefinite" restart="never" nodeType="tmRoot"/>
+        <p:cTn xmlns:p14="http://schemas.microsoft.com/office/powerpoint/2010/main" id="1" dur="indefinite" restart="never" nodeType="tmRoot"/>
       </p:par>
     </p:tnLst>
   </p:timing>
@@ -27399,7 +27029,7 @@
             </a:r>
             <a:r>
               <a:rPr lang="en-US" sz="2400" dirty="0" err="1" smtClean="0"/>
-              <a:t>Object.definePropert</a:t>
+              <a:t>Object.defineProperty</a:t>
             </a:r>
             <a:r>
               <a:rPr lang="en-US" sz="2400" dirty="0" smtClean="0"/>
@@ -27490,7 +27120,7 @@
   <p:timing>
     <p:tnLst>
       <p:par>
-        <p:cTn id="1" dur="indefinite" restart="never" nodeType="tmRoot"/>
+        <p:cTn xmlns:p14="http://schemas.microsoft.com/office/powerpoint/2010/main" id="1" dur="indefinite" restart="never" nodeType="tmRoot"/>
       </p:par>
     </p:tnLst>
   </p:timing>
@@ -27807,7 +27437,7 @@
   <p:timing>
     <p:tnLst>
       <p:par>
-        <p:cTn id="1" dur="indefinite" restart="never" nodeType="tmRoot"/>
+        <p:cTn xmlns:p14="http://schemas.microsoft.com/office/powerpoint/2010/main" id="1" dur="indefinite" restart="never" nodeType="tmRoot"/>
       </p:par>
     </p:tnLst>
   </p:timing>
@@ -27928,7 +27558,7 @@
   <p:timing>
     <p:tnLst>
       <p:par>
-        <p:cTn id="1" dur="indefinite" restart="never" nodeType="tmRoot"/>
+        <p:cTn xmlns:p14="http://schemas.microsoft.com/office/powerpoint/2010/main" id="1" dur="indefinite" restart="never" nodeType="tmRoot"/>
       </p:par>
     </p:tnLst>
   </p:timing>
@@ -28097,7 +27727,7 @@
   <p:timing>
     <p:tnLst>
       <p:par>
-        <p:cTn id="1" dur="indefinite" restart="never" nodeType="tmRoot"/>
+        <p:cTn xmlns:p14="http://schemas.microsoft.com/office/powerpoint/2010/main" id="1" dur="indefinite" restart="never" nodeType="tmRoot"/>
       </p:par>
     </p:tnLst>
   </p:timing>
@@ -28212,7 +27842,7 @@
             </a:r>
             <a:r>
               <a:rPr lang="en-US" sz="2000" dirty="0" smtClean="0"/>
-              <a:t> d = new Array(1, 2, 3, ‘Testing’];</a:t>
+              <a:t> d = new Array(1, 2, 3, ‘Testing’);</a:t>
             </a:r>
             <a:br>
               <a:rPr lang="en-US" sz="2000" dirty="0" smtClean="0"/>
@@ -28349,7 +27979,7 @@
   <p:timing>
     <p:tnLst>
       <p:par>
-        <p:cTn id="1" dur="indefinite" restart="never" nodeType="tmRoot"/>
+        <p:cTn xmlns:p14="http://schemas.microsoft.com/office/powerpoint/2010/main" id="1" dur="indefinite" restart="never" nodeType="tmRoot"/>
       </p:par>
     </p:tnLst>
   </p:timing>
@@ -28562,7 +28192,7 @@
   <p:timing>
     <p:tnLst>
       <p:par>
-        <p:cTn id="1" dur="indefinite" restart="never" nodeType="tmRoot"/>
+        <p:cTn xmlns:p14="http://schemas.microsoft.com/office/powerpoint/2010/main" id="1" dur="indefinite" restart="never" nodeType="tmRoot"/>
       </p:par>
     </p:tnLst>
   </p:timing>
@@ -28727,7 +28357,7 @@
   <p:timing>
     <p:tnLst>
       <p:par>
-        <p:cTn id="1" dur="indefinite" restart="never" nodeType="tmRoot"/>
+        <p:cTn xmlns:p14="http://schemas.microsoft.com/office/powerpoint/2010/main" id="1" dur="indefinite" restart="never" nodeType="tmRoot"/>
       </p:par>
     </p:tnLst>
   </p:timing>
@@ -28907,7 +28537,7 @@
   <p:timing>
     <p:tnLst>
       <p:par>
-        <p:cTn id="1" dur="indefinite" restart="never" nodeType="tmRoot"/>
+        <p:cTn xmlns:p14="http://schemas.microsoft.com/office/powerpoint/2010/main" id="1" dur="indefinite" restart="never" nodeType="tmRoot"/>
       </p:par>
     </p:tnLst>
   </p:timing>
@@ -29134,7 +28764,7 @@
   <p:timing>
     <p:tnLst>
       <p:par>
-        <p:cTn id="1" dur="indefinite" restart="never" nodeType="tmRoot"/>
+        <p:cTn xmlns:p14="http://schemas.microsoft.com/office/powerpoint/2010/main" id="1" dur="indefinite" restart="never" nodeType="tmRoot"/>
       </p:par>
     </p:tnLst>
   </p:timing>
@@ -29328,7 +28958,7 @@
   <p:timing>
     <p:tnLst>
       <p:par>
-        <p:cTn id="1" dur="indefinite" restart="never" nodeType="tmRoot"/>
+        <p:cTn xmlns:p14="http://schemas.microsoft.com/office/powerpoint/2010/main" id="1" dur="indefinite" restart="never" nodeType="tmRoot"/>
       </p:par>
     </p:tnLst>
   </p:timing>
@@ -29521,7 +29151,7 @@
   <p:timing>
     <p:tnLst>
       <p:par>
-        <p:cTn id="1" dur="indefinite" restart="never" nodeType="tmRoot"/>
+        <p:cTn xmlns:p14="http://schemas.microsoft.com/office/powerpoint/2010/main" id="1" dur="indefinite" restart="never" nodeType="tmRoot"/>
       </p:par>
     </p:tnLst>
   </p:timing>
@@ -29682,7 +29312,7 @@
   <p:timing>
     <p:tnLst>
       <p:par>
-        <p:cTn id="1" dur="indefinite" restart="never" nodeType="tmRoot"/>
+        <p:cTn xmlns:p14="http://schemas.microsoft.com/office/powerpoint/2010/main" id="1" dur="indefinite" restart="never" nodeType="tmRoot"/>
       </p:par>
     </p:tnLst>
   </p:timing>
@@ -29930,7 +29560,7 @@
   <p:timing>
     <p:tnLst>
       <p:par>
-        <p:cTn id="1" dur="indefinite" restart="never" nodeType="tmRoot"/>
+        <p:cTn xmlns:p14="http://schemas.microsoft.com/office/powerpoint/2010/main" id="1" dur="indefinite" restart="never" nodeType="tmRoot"/>
       </p:par>
     </p:tnLst>
   </p:timing>
@@ -30185,7 +29815,7 @@
   <p:timing>
     <p:tnLst>
       <p:par>
-        <p:cTn id="1" dur="indefinite" restart="never" nodeType="tmRoot"/>
+        <p:cTn xmlns:p14="http://schemas.microsoft.com/office/powerpoint/2010/main" id="1" dur="indefinite" restart="never" nodeType="tmRoot"/>
       </p:par>
     </p:tnLst>
   </p:timing>
@@ -30453,7 +30083,7 @@
   <p:timing>
     <p:tnLst>
       <p:par>
-        <p:cTn id="1" dur="indefinite" restart="never" nodeType="tmRoot"/>
+        <p:cTn xmlns:p14="http://schemas.microsoft.com/office/powerpoint/2010/main" id="1" dur="indefinite" restart="never" nodeType="tmRoot"/>
       </p:par>
     </p:tnLst>
   </p:timing>
@@ -30692,7 +30322,7 @@
   <p:timing>
     <p:tnLst>
       <p:par>
-        <p:cTn id="1" dur="indefinite" restart="never" nodeType="tmRoot"/>
+        <p:cTn xmlns:p14="http://schemas.microsoft.com/office/powerpoint/2010/main" id="1" dur="indefinite" restart="never" nodeType="tmRoot"/>
       </p:par>
     </p:tnLst>
   </p:timing>
@@ -30872,7 +30502,7 @@
   <p:timing>
     <p:tnLst>
       <p:par>
-        <p:cTn id="1" dur="indefinite" restart="never" nodeType="tmRoot"/>
+        <p:cTn xmlns:p14="http://schemas.microsoft.com/office/powerpoint/2010/main" id="1" dur="indefinite" restart="never" nodeType="tmRoot"/>
       </p:par>
     </p:tnLst>
   </p:timing>
@@ -31026,21 +30656,8 @@
             <a:pPr lvl="1"/>
             <a:r>
               <a:rPr lang="en-US" sz="2000" dirty="0" smtClean="0"/>
-              <a:t>JavaScript function definitions can be nested within other functions, and they </a:t>
-            </a:r>
-            <a:r>
-              <a:rPr lang="en-US" sz="2000" dirty="0" smtClean="0"/>
-              <a:t>have </a:t>
-            </a:r>
-            <a:r>
-              <a:rPr lang="en-US" sz="2000" dirty="0" smtClean="0"/>
-              <a:t>access to any variables that are in scope where they are </a:t>
-            </a:r>
-            <a:r>
-              <a:rPr lang="en-US" sz="2000" dirty="0" smtClean="0"/>
-              <a:t>defined (closures)</a:t>
-            </a:r>
-            <a:endParaRPr lang="en-US" sz="2000" dirty="0" smtClean="0"/>
+              <a:t>JavaScript function definitions can be nested within other functions, and they have access to any variables that are in scope where they are defined (closures)</a:t>
+            </a:r>
           </a:p>
         </p:txBody>
       </p:sp>
@@ -31052,7 +30669,7 @@
   <p:timing>
     <p:tnLst>
       <p:par>
-        <p:cTn id="1" dur="indefinite" restart="never" nodeType="tmRoot"/>
+        <p:cTn xmlns:p14="http://schemas.microsoft.com/office/powerpoint/2010/main" id="1" dur="indefinite" restart="never" nodeType="tmRoot"/>
       </p:par>
     </p:tnLst>
   </p:timing>
@@ -31142,11 +30759,7 @@
             <a:pPr lvl="1"/>
             <a:r>
               <a:rPr lang="en-US" sz="2000" dirty="0" smtClean="0"/>
-              <a:t>A</a:t>
-            </a:r>
-            <a:r>
-              <a:rPr lang="en-US" sz="2000" dirty="0" smtClean="0"/>
-              <a:t>s functions</a:t>
+              <a:t>As functions</a:t>
             </a:r>
           </a:p>
           <a:p>
@@ -31167,17 +30780,8 @@
             <a:pPr lvl="1"/>
             <a:r>
               <a:rPr lang="en-US" sz="2000" dirty="0" smtClean="0"/>
-              <a:t>Indirectly </a:t>
-            </a:r>
-            <a:r>
-              <a:rPr lang="en-US" sz="2000" dirty="0" smtClean="0"/>
-              <a:t>through their call() and apply() </a:t>
-            </a:r>
-            <a:r>
-              <a:rPr lang="en-US" sz="2000" dirty="0" smtClean="0"/>
-              <a:t>methods</a:t>
-            </a:r>
-            <a:endParaRPr lang="en-US" sz="2000" dirty="0" smtClean="0"/>
+              <a:t>Indirectly through their call() and apply() methods</a:t>
+            </a:r>
           </a:p>
           <a:p>
             <a:pPr marL="342900" lvl="1" indent="-342900">
@@ -31186,11 +30790,7 @@
             </a:pPr>
             <a:r>
               <a:rPr lang="en-US" sz="2400" dirty="0" smtClean="0"/>
-              <a:t>Function </a:t>
-            </a:r>
-            <a:r>
-              <a:rPr lang="en-US" sz="2400" dirty="0" smtClean="0"/>
-              <a:t>Invocation</a:t>
+              <a:t>Function Invocation</a:t>
             </a:r>
           </a:p>
           <a:p>
@@ -31204,11 +30804,7 @@
             <a:pPr lvl="1"/>
             <a:r>
               <a:rPr lang="en-US" sz="2000" dirty="0" smtClean="0"/>
-              <a:t>In ES3 </a:t>
-            </a:r>
-            <a:r>
-              <a:rPr lang="en-US" sz="2000" dirty="0" smtClean="0"/>
-              <a:t>and </a:t>
+              <a:t>In ES3 and </a:t>
             </a:r>
             <a:r>
               <a:rPr lang="en-US" sz="2000" dirty="0" err="1" smtClean="0"/>
@@ -31216,46 +30812,14 @@
             </a:r>
             <a:r>
               <a:rPr lang="en-US" sz="2000" dirty="0" smtClean="0"/>
-              <a:t> </a:t>
-            </a:r>
-            <a:r>
-              <a:rPr lang="en-US" sz="2000" dirty="0" smtClean="0"/>
-              <a:t>ES5</a:t>
-            </a:r>
-            <a:r>
-              <a:rPr lang="en-US" sz="2000" dirty="0" smtClean="0"/>
-              <a:t>, the </a:t>
-            </a:r>
-            <a:r>
-              <a:rPr lang="en-US" sz="2000" dirty="0" smtClean="0"/>
-              <a:t>invocation </a:t>
-            </a:r>
-            <a:r>
-              <a:rPr lang="en-US" sz="2000" dirty="0" smtClean="0"/>
-              <a:t>context (the this value) is the global object. In strict mode, however, the </a:t>
-            </a:r>
-            <a:r>
-              <a:rPr lang="en-US" sz="2000" dirty="0" smtClean="0"/>
-              <a:t>invocation </a:t>
-            </a:r>
-            <a:r>
-              <a:rPr lang="en-US" sz="2000" dirty="0" smtClean="0"/>
-              <a:t>context is </a:t>
-            </a:r>
-            <a:r>
-              <a:rPr lang="en-US" sz="2000" dirty="0" smtClean="0"/>
-              <a:t>undefined</a:t>
-            </a:r>
-          </a:p>
-          <a:p>
-            <a:pPr lvl="1"/>
-            <a:r>
-              <a:rPr lang="en-US" sz="2000" dirty="0" smtClean="0"/>
-              <a:t>// Define and invoke a function to determine if we're in strict mode</a:t>
-            </a:r>
-            <a:r>
-              <a:rPr lang="en-US" sz="2000" dirty="0" smtClean="0"/>
-              <a:t>.</a:t>
+              <a:t> ES5, the invocation context (the this value) is the global object. In strict mode, however, the invocation context is undefined</a:t>
+            </a:r>
+          </a:p>
+          <a:p>
+            <a:pPr lvl="1"/>
+            <a:r>
+              <a:rPr lang="en-US" sz="2000" dirty="0" smtClean="0"/>
+              <a:t>// Define and invoke a function to determine if we're in strict mode.</a:t>
             </a:r>
             <a:br>
               <a:rPr lang="en-US" sz="2000" dirty="0" smtClean="0"/>
@@ -31266,11 +30830,7 @@
             </a:r>
             <a:r>
               <a:rPr lang="en-US" sz="2000" dirty="0" smtClean="0"/>
-              <a:t> </a:t>
-            </a:r>
-            <a:r>
-              <a:rPr lang="en-US" sz="2000" dirty="0" smtClean="0"/>
-              <a:t>strict = (function() { return !this; }());</a:t>
+              <a:t> strict = (function() { return !this; }());</a:t>
             </a:r>
           </a:p>
         </p:txBody>
@@ -31283,7 +30843,7 @@
   <p:timing>
     <p:tnLst>
       <p:par>
-        <p:cTn id="1" dur="indefinite" restart="never" nodeType="tmRoot"/>
+        <p:cTn xmlns:p14="http://schemas.microsoft.com/office/powerpoint/2010/main" id="1" dur="indefinite" restart="never" nodeType="tmRoot"/>
       </p:par>
     </p:tnLst>
   </p:timing>
@@ -31421,23 +30981,11 @@
                   <a:srgbClr val="FF0000"/>
                 </a:solidFill>
               </a:rPr>
-              <a:t>invocation </a:t>
-            </a:r>
-            <a:r>
-              <a:rPr lang="en-US" sz="2000" dirty="0" smtClean="0">
-                <a:solidFill>
-                  <a:srgbClr val="FF0000"/>
-                </a:solidFill>
-              </a:rPr>
-              <a:t>context </a:t>
-            </a:r>
-            <a:r>
-              <a:rPr lang="en-US" sz="2000" dirty="0" smtClean="0"/>
-              <a:t>for the above method invocation and </a:t>
-            </a:r>
-            <a:r>
-              <a:rPr lang="en-US" sz="2000" dirty="0" smtClean="0"/>
-              <a:t>the function body can refer to that object by using the keyword </a:t>
+              <a:t>invocation context </a:t>
+            </a:r>
+            <a:r>
+              <a:rPr lang="en-US" sz="2000" dirty="0" smtClean="0"/>
+              <a:t>for the above method invocation and the function body can refer to that object by using the keyword </a:t>
             </a:r>
             <a:r>
               <a:rPr lang="en-US" sz="2000" dirty="0" smtClean="0">
@@ -31452,19 +31000,7 @@
             <a:pPr lvl="1"/>
             <a:r>
               <a:rPr lang="en-US" sz="2000" dirty="0" smtClean="0"/>
-              <a:t>Any function that is used as a method is effectively passed an implicit </a:t>
-            </a:r>
-            <a:r>
-              <a:rPr lang="en-US" sz="2000" dirty="0" smtClean="0"/>
-              <a:t>argument—the </a:t>
-            </a:r>
-            <a:r>
-              <a:rPr lang="en-US" sz="2000" dirty="0" smtClean="0"/>
-              <a:t>object through which it is </a:t>
-            </a:r>
-            <a:r>
-              <a:rPr lang="en-US" sz="2000" dirty="0" smtClean="0"/>
-              <a:t>invoked</a:t>
+              <a:t>Any function that is used as a method is effectively passed an implicit argument—the object through which it is invoked</a:t>
             </a:r>
           </a:p>
           <a:p>
@@ -31481,15 +31017,7 @@
             <a:pPr lvl="1"/>
             <a:r>
               <a:rPr lang="en-US" sz="2000" dirty="0" smtClean="0"/>
-              <a:t>When you write a method that does not have a return value of its own, consider </a:t>
-            </a:r>
-            <a:r>
-              <a:rPr lang="en-US" sz="2000" dirty="0" smtClean="0"/>
-              <a:t>having </a:t>
-            </a:r>
-            <a:r>
-              <a:rPr lang="en-US" sz="2000" dirty="0" smtClean="0"/>
-              <a:t>the method return</a:t>
+              <a:t>When you write a method that does not have a return value of its own, consider having the method return</a:t>
             </a:r>
             <a:r>
               <a:rPr lang="en-US" sz="2000" dirty="0" smtClean="0">
@@ -31497,15 +31025,7 @@
                   <a:srgbClr val="FF0000"/>
                 </a:solidFill>
               </a:rPr>
-              <a:t> </a:t>
-            </a:r>
-            <a:r>
-              <a:rPr lang="en-US" sz="2000" dirty="0" smtClean="0">
-                <a:solidFill>
-                  <a:srgbClr val="FF0000"/>
-                </a:solidFill>
-              </a:rPr>
-              <a:t>this</a:t>
+              <a:t> this</a:t>
             </a:r>
             <a:br>
               <a:rPr lang="en-US" sz="2000" dirty="0" smtClean="0">
@@ -31549,7 +31069,7 @@
   <p:timing>
     <p:tnLst>
       <p:par>
-        <p:cTn id="1" dur="indefinite" restart="never" nodeType="tmRoot"/>
+        <p:cTn xmlns:p14="http://schemas.microsoft.com/office/powerpoint/2010/main" id="1" dur="indefinite" restart="never" nodeType="tmRoot"/>
       </p:par>
     </p:tnLst>
   </p:timing>
@@ -31693,7 +31213,7 @@
   <p:timing>
     <p:tnLst>
       <p:par>
-        <p:cTn id="1" dur="indefinite" restart="never" nodeType="tmRoot"/>
+        <p:cTn xmlns:p14="http://schemas.microsoft.com/office/powerpoint/2010/main" id="1" dur="indefinite" restart="never" nodeType="tmRoot"/>
       </p:par>
     </p:tnLst>
   </p:timing>
@@ -31794,27 +31314,7 @@
             </a:r>
             <a:r>
               <a:rPr lang="en-US" sz="2000" dirty="0" smtClean="0"/>
-              <a:t> is a keyword in JavaScript, it is NOT a variable or property name. </a:t>
-            </a:r>
-            <a:r>
-              <a:rPr lang="en-US" sz="2000" dirty="0" smtClean="0"/>
-              <a:t>JavaScript syntax </a:t>
-            </a:r>
-            <a:r>
-              <a:rPr lang="en-US" sz="2000" dirty="0" smtClean="0"/>
-              <a:t>does </a:t>
-            </a:r>
-            <a:r>
-              <a:rPr lang="en-US" sz="2000" dirty="0" smtClean="0"/>
-              <a:t>not allow </a:t>
-            </a:r>
-            <a:r>
-              <a:rPr lang="en-US" sz="2000" dirty="0" smtClean="0"/>
-              <a:t>to </a:t>
-            </a:r>
-            <a:r>
-              <a:rPr lang="en-US" sz="2000" dirty="0" smtClean="0"/>
-              <a:t>assign a value to </a:t>
+              <a:t> is a keyword in JavaScript, it is NOT a variable or property name. JavaScript syntax does not allow to assign a value to </a:t>
             </a:r>
             <a:r>
               <a:rPr lang="en-US" sz="2000" b="1" dirty="0" smtClean="0">
@@ -31841,27 +31341,7 @@
             </a:r>
             <a:r>
               <a:rPr lang="en-US" sz="2000" dirty="0" smtClean="0"/>
-              <a:t> keyword does not have a scope, and nested functions do </a:t>
-            </a:r>
-            <a:r>
-              <a:rPr lang="en-US" sz="2000" dirty="0" smtClean="0"/>
-              <a:t>NOT </a:t>
-            </a:r>
-            <a:r>
-              <a:rPr lang="en-US" sz="2000" dirty="0" smtClean="0"/>
-              <a:t>inherit the this value of their </a:t>
-            </a:r>
-            <a:r>
-              <a:rPr lang="en-US" sz="2000" dirty="0" smtClean="0"/>
-              <a:t>caller. </a:t>
-            </a:r>
-            <a:r>
-              <a:rPr lang="en-US" sz="2000" dirty="0" smtClean="0"/>
-              <a:t>If a nested function is invoked as a method, </a:t>
-            </a:r>
-            <a:r>
-              <a:rPr lang="en-US" sz="2000" dirty="0" smtClean="0"/>
-              <a:t>its </a:t>
+              <a:t> keyword does not have a scope, and nested functions do NOT inherit the this value of their caller. If a nested function is invoked as a method, its </a:t>
             </a:r>
             <a:r>
               <a:rPr lang="en-US" sz="2000" b="1" dirty="0" smtClean="0">
@@ -31873,15 +31353,7 @@
             </a:r>
             <a:r>
               <a:rPr lang="en-US" sz="2000" dirty="0" smtClean="0"/>
-              <a:t> value is the object it was invoked on. If a nested function is invoked as a </a:t>
-            </a:r>
-            <a:r>
-              <a:rPr lang="en-US" sz="2000" dirty="0" smtClean="0"/>
-              <a:t>function </a:t>
-            </a:r>
-            <a:r>
-              <a:rPr lang="en-US" sz="2000" dirty="0" smtClean="0"/>
-              <a:t>then its </a:t>
+              <a:t> value is the object it was invoked on. If a nested function is invoked as a function then its </a:t>
             </a:r>
             <a:r>
               <a:rPr lang="en-US" sz="2000" b="1" dirty="0" smtClean="0">
@@ -31893,26 +31365,14 @@
             </a:r>
             <a:r>
               <a:rPr lang="en-US" sz="2000" dirty="0" smtClean="0"/>
-              <a:t> value will be either the global object </a:t>
-            </a:r>
-            <a:r>
-              <a:rPr lang="en-US" sz="2000" dirty="0" smtClean="0"/>
-              <a:t>or undefined</a:t>
-            </a:r>
-          </a:p>
-          <a:p>
-            <a:pPr lvl="1"/>
-            <a:r>
-              <a:rPr lang="en-US" sz="2000" dirty="0" smtClean="0"/>
-              <a:t>It is a common mistake to assume that a nested function invoked as a </a:t>
-            </a:r>
-            <a:r>
-              <a:rPr lang="en-US" sz="2000" dirty="0" smtClean="0"/>
-              <a:t>function </a:t>
-            </a:r>
-            <a:r>
-              <a:rPr lang="en-US" sz="2000" dirty="0" smtClean="0"/>
-              <a:t>can use </a:t>
+              <a:t> value will be either the global object or undefined</a:t>
+            </a:r>
+          </a:p>
+          <a:p>
+            <a:pPr lvl="1"/>
+            <a:r>
+              <a:rPr lang="en-US" sz="2000" dirty="0" smtClean="0"/>
+              <a:t>It is a common mistake to assume that a nested function invoked as a function can use </a:t>
             </a:r>
             <a:r>
               <a:rPr lang="en-US" sz="2000" b="1" dirty="0" smtClean="0">
@@ -31926,7 +31386,6 @@
               <a:rPr lang="en-US" sz="2000" dirty="0" smtClean="0"/>
               <a:t> to obtain the invocation context of the outer function</a:t>
             </a:r>
-            <a:endParaRPr lang="en-US" sz="2000" dirty="0" smtClean="0"/>
           </a:p>
           <a:p>
             <a:pPr lvl="1"/>
@@ -31982,7 +31441,7 @@
   <p:timing>
     <p:tnLst>
       <p:par>
-        <p:cTn id="1" dur="indefinite" restart="never" nodeType="tmRoot"/>
+        <p:cTn xmlns:p14="http://schemas.microsoft.com/office/powerpoint/2010/main" id="1" dur="indefinite" restart="never" nodeType="tmRoot"/>
       </p:par>
     </p:tnLst>
   </p:timing>
@@ -32071,19 +31530,7 @@
             <a:pPr lvl="1"/>
             <a:r>
               <a:rPr lang="en-US" sz="2000" dirty="0" smtClean="0"/>
-              <a:t>if a constructor has no parameters, JavaScript constructor invocation syntax allows the argument list and parentheses </a:t>
-            </a:r>
-            <a:r>
-              <a:rPr lang="en-US" sz="2000" dirty="0" smtClean="0"/>
-              <a:t>to </a:t>
-            </a:r>
-            <a:r>
-              <a:rPr lang="en-US" sz="2000" dirty="0" smtClean="0"/>
-              <a:t>be omitted </a:t>
-            </a:r>
-            <a:r>
-              <a:rPr lang="en-US" sz="2000" dirty="0" smtClean="0"/>
-              <a:t>entirely</a:t>
+              <a:t>if a constructor has no parameters, JavaScript constructor invocation syntax allows the argument list and parentheses to be omitted entirely</a:t>
             </a:r>
             <a:br>
               <a:rPr lang="en-US" sz="2000" dirty="0" smtClean="0"/>
@@ -32098,15 +31545,7 @@
             </a:r>
             <a:r>
               <a:rPr lang="en-US" sz="2000" dirty="0" smtClean="0"/>
-              <a:t> </a:t>
-            </a:r>
-            <a:r>
-              <a:rPr lang="en-US" sz="2000" dirty="0" smtClean="0"/>
-              <a:t>o = new Object</a:t>
-            </a:r>
-            <a:r>
-              <a:rPr lang="en-US" sz="2000" dirty="0" smtClean="0"/>
-              <a:t>();</a:t>
+              <a:t> o = new Object();</a:t>
             </a:r>
             <a:br>
               <a:rPr lang="en-US" sz="2000" dirty="0" smtClean="0"/>
@@ -32121,45 +31560,21 @@
             </a:r>
             <a:r>
               <a:rPr lang="en-US" sz="2000" dirty="0" smtClean="0"/>
-              <a:t> o = new Object</a:t>
-            </a:r>
-            <a:r>
-              <a:rPr lang="en-US" sz="2000" dirty="0" smtClean="0"/>
-              <a:t>;</a:t>
-            </a:r>
-          </a:p>
-          <a:p>
-            <a:pPr lvl="1"/>
-            <a:r>
-              <a:rPr lang="en-US" sz="2000" dirty="0" smtClean="0"/>
-              <a:t>A constructor invocation creates a new, empty object that inherits from </a:t>
-            </a:r>
-            <a:r>
-              <a:rPr lang="en-US" sz="2000" dirty="0" smtClean="0"/>
-              <a:t>the </a:t>
-            </a:r>
-            <a:r>
-              <a:rPr lang="en-US" sz="2000" dirty="0" smtClean="0"/>
-              <a:t>prototype property of the </a:t>
-            </a:r>
-            <a:r>
-              <a:rPr lang="en-US" sz="2000" dirty="0" smtClean="0"/>
-              <a:t>constructor</a:t>
-            </a:r>
-          </a:p>
-          <a:p>
-            <a:pPr lvl="1"/>
-            <a:r>
-              <a:rPr lang="en-US" sz="2000" dirty="0" smtClean="0"/>
-              <a:t>Constructor functions are intended to </a:t>
-            </a:r>
-            <a:r>
-              <a:rPr lang="en-US" sz="2000" dirty="0" smtClean="0"/>
-              <a:t>initialize </a:t>
-            </a:r>
-            <a:r>
-              <a:rPr lang="en-US" sz="2000" dirty="0" smtClean="0"/>
-              <a:t>objects and </a:t>
+              <a:t> o = new Object;</a:t>
+            </a:r>
+          </a:p>
+          <a:p>
+            <a:pPr lvl="1"/>
+            <a:r>
+              <a:rPr lang="en-US" sz="2000" dirty="0" smtClean="0"/>
+              <a:t>A constructor invocation creates a new, empty object that inherits from the prototype property of the constructor</a:t>
+            </a:r>
+          </a:p>
+          <a:p>
+            <a:pPr lvl="1"/>
+            <a:r>
+              <a:rPr lang="en-US" sz="2000" dirty="0" smtClean="0"/>
+              <a:t>Constructor functions are intended to initialize objects and </a:t>
             </a:r>
             <a:r>
               <a:rPr lang="en-US" sz="2000" dirty="0" smtClean="0">
@@ -32171,11 +31586,7 @@
             </a:r>
             <a:r>
               <a:rPr lang="en-US" sz="2000" dirty="0" smtClean="0"/>
-              <a:t> is used as the invocation </a:t>
-            </a:r>
-            <a:r>
-              <a:rPr lang="en-US" sz="2000" dirty="0" smtClean="0"/>
-              <a:t>context</a:t>
+              <a:t> is used as the invocation context</a:t>
             </a:r>
             <a:br>
               <a:rPr lang="en-US" sz="2000" dirty="0" smtClean="0"/>
@@ -32190,15 +31601,7 @@
             </a:r>
             <a:r>
               <a:rPr lang="en-US" sz="2000" dirty="0" smtClean="0"/>
-              <a:t>();  // </a:t>
-            </a:r>
-            <a:r>
-              <a:rPr lang="en-US" sz="2000" dirty="0" smtClean="0"/>
-              <a:t>o is not used as the invocation </a:t>
-            </a:r>
-            <a:r>
-              <a:rPr lang="en-US" sz="2000" dirty="0" smtClean="0"/>
-              <a:t>context</a:t>
+              <a:t>();  // o is not used as the invocation context</a:t>
             </a:r>
             <a:endParaRPr lang="en-US" sz="2000" dirty="0" smtClean="0">
               <a:solidFill>
@@ -32210,50 +31613,14 @@
             <a:pPr lvl="1"/>
             <a:r>
               <a:rPr lang="en-US" sz="2000" dirty="0" smtClean="0"/>
-              <a:t>If a </a:t>
-            </a:r>
-            <a:r>
-              <a:rPr lang="en-US" sz="2000" dirty="0" smtClean="0"/>
-              <a:t>constructor explicitly used the return statement to return an object, then that </a:t>
-            </a:r>
-            <a:r>
-              <a:rPr lang="en-US" sz="2000" dirty="0" smtClean="0"/>
-              <a:t>object </a:t>
-            </a:r>
-            <a:r>
-              <a:rPr lang="en-US" sz="2000" dirty="0" smtClean="0"/>
-              <a:t>becomes the value of the invocation </a:t>
-            </a:r>
-            <a:r>
-              <a:rPr lang="en-US" sz="2000" dirty="0" smtClean="0"/>
-              <a:t>expression</a:t>
-            </a:r>
-          </a:p>
-          <a:p>
-            <a:pPr lvl="1"/>
-            <a:r>
-              <a:rPr lang="en-US" sz="2000" dirty="0" smtClean="0"/>
-              <a:t>If the constructor uses return with </a:t>
-            </a:r>
-            <a:r>
-              <a:rPr lang="en-US" sz="2000" dirty="0" smtClean="0"/>
-              <a:t>no </a:t>
-            </a:r>
-            <a:r>
-              <a:rPr lang="en-US" sz="2000" dirty="0" smtClean="0"/>
-              <a:t>value, or if it returns a primitive value, that return value is ignored and the new </a:t>
-            </a:r>
-            <a:r>
-              <a:rPr lang="en-US" sz="2000" dirty="0" smtClean="0"/>
-              <a:t>object </a:t>
-            </a:r>
-            <a:r>
-              <a:rPr lang="en-US" sz="2000" dirty="0" smtClean="0"/>
-              <a:t>is used as the value of the </a:t>
-            </a:r>
-            <a:r>
-              <a:rPr lang="en-US" sz="2000" dirty="0" smtClean="0"/>
-              <a:t>invocation</a:t>
+              <a:t>If a constructor explicitly used the return statement to return an object, then that object becomes the value of the invocation expression</a:t>
+            </a:r>
+          </a:p>
+          <a:p>
+            <a:pPr lvl="1"/>
+            <a:r>
+              <a:rPr lang="en-US" sz="2000" dirty="0" smtClean="0"/>
+              <a:t>If the constructor uses return with no value, or if it returns a primitive value, that return value is ignored and the new object is used as the value of the invocation</a:t>
             </a:r>
           </a:p>
         </p:txBody>
@@ -32266,7 +31633,7 @@
   <p:timing>
     <p:tnLst>
       <p:par>
-        <p:cTn id="1" dur="indefinite" restart="never" nodeType="tmRoot"/>
+        <p:cTn xmlns:p14="http://schemas.microsoft.com/office/powerpoint/2010/main" id="1" dur="indefinite" restart="never" nodeType="tmRoot"/>
       </p:par>
     </p:tnLst>
   </p:timing>
@@ -32355,45 +31722,15 @@
             <a:pPr lvl="1"/>
             <a:r>
               <a:rPr lang="en-US" sz="2000" dirty="0" smtClean="0"/>
-              <a:t>JavaScript functions are objects and like all JavaScript objects, they have </a:t>
-            </a:r>
-            <a:r>
-              <a:rPr lang="en-US" sz="2000" dirty="0" smtClean="0"/>
-              <a:t>methods. Two </a:t>
-            </a:r>
-            <a:r>
-              <a:rPr lang="en-US" sz="2000" dirty="0" smtClean="0"/>
-              <a:t>of these methods, call() and apply(), invoke the function indirectly</a:t>
-            </a:r>
-            <a:endParaRPr lang="en-US" sz="2000" dirty="0" smtClean="0"/>
-          </a:p>
-          <a:p>
-            <a:pPr lvl="1"/>
-            <a:r>
-              <a:rPr lang="en-US" sz="2000" dirty="0" smtClean="0"/>
-              <a:t>They allow </a:t>
-            </a:r>
-            <a:r>
-              <a:rPr lang="en-US" sz="2000" dirty="0" smtClean="0"/>
-              <a:t>you to explicitly specify the this value for the invocation, which means you </a:t>
-            </a:r>
-            <a:r>
-              <a:rPr lang="en-US" sz="2000" dirty="0" smtClean="0"/>
-              <a:t>can </a:t>
-            </a:r>
-            <a:r>
-              <a:rPr lang="en-US" sz="2000" dirty="0" smtClean="0"/>
-              <a:t>invoke any function as a method of any object, even if it is not actually a method </a:t>
-            </a:r>
-            <a:r>
-              <a:rPr lang="en-US" sz="2000" dirty="0" smtClean="0"/>
-              <a:t>of </a:t>
-            </a:r>
-            <a:r>
-              <a:rPr lang="en-US" sz="2000" dirty="0" smtClean="0"/>
-              <a:t>that object</a:t>
-            </a:r>
-            <a:endParaRPr lang="en-US" sz="2000" dirty="0" smtClean="0"/>
+              <a:t>JavaScript functions are objects and like all JavaScript objects, they have methods. Two of these methods, call() and apply(), invoke the function indirectly</a:t>
+            </a:r>
+          </a:p>
+          <a:p>
+            <a:pPr lvl="1"/>
+            <a:r>
+              <a:rPr lang="en-US" sz="2000" dirty="0" smtClean="0"/>
+              <a:t>They allow you to explicitly specify the this value for the invocation, which means you can invoke any function as a method of any object, even if it is not actually a method of that object</a:t>
+            </a:r>
           </a:p>
         </p:txBody>
       </p:sp>
@@ -32405,7 +31742,7 @@
   <p:timing>
     <p:tnLst>
       <p:par>
-        <p:cTn id="1" dur="indefinite" restart="never" nodeType="tmRoot"/>
+        <p:cTn xmlns:p14="http://schemas.microsoft.com/office/powerpoint/2010/main" id="1" dur="indefinite" restart="never" nodeType="tmRoot"/>
       </p:par>
     </p:tnLst>
   </p:timing>
@@ -32489,41 +31826,12 @@
               <a:rPr lang="en-US" sz="2400" dirty="0" smtClean="0"/>
               <a:t>Function Arguments and Parameters</a:t>
             </a:r>
-            <a:endParaRPr lang="en-US" sz="2400" dirty="0" smtClean="0"/>
-          </a:p>
-          <a:p>
-            <a:pPr lvl="1"/>
-            <a:r>
-              <a:rPr lang="en-US" sz="2000" dirty="0" smtClean="0"/>
-              <a:t>JavaScript function definitions do not specify an expected type for the function </a:t>
-            </a:r>
-            <a:r>
-              <a:rPr lang="en-US" sz="2000" dirty="0" smtClean="0"/>
-              <a:t>parameters </a:t>
-            </a:r>
-            <a:r>
-              <a:rPr lang="en-US" sz="2000" dirty="0" smtClean="0"/>
-              <a:t>and function invocations do not do any type checking on the argument </a:t>
-            </a:r>
-            <a:r>
-              <a:rPr lang="en-US" sz="2000" dirty="0" smtClean="0"/>
-              <a:t>values passed in. </a:t>
-            </a:r>
-            <a:r>
-              <a:rPr lang="en-US" sz="2000" dirty="0" smtClean="0"/>
-              <a:t>JavaScript function invocations do not even check the number </a:t>
-            </a:r>
-            <a:r>
-              <a:rPr lang="en-US" sz="2000" dirty="0" smtClean="0"/>
-              <a:t>of </a:t>
-            </a:r>
-            <a:r>
-              <a:rPr lang="en-US" sz="2000" dirty="0" smtClean="0"/>
-              <a:t>arguments being </a:t>
-            </a:r>
-            <a:r>
-              <a:rPr lang="en-US" sz="2000" dirty="0" smtClean="0"/>
-              <a:t>passed</a:t>
+          </a:p>
+          <a:p>
+            <a:pPr lvl="1"/>
+            <a:r>
+              <a:rPr lang="en-US" sz="2000" dirty="0" smtClean="0"/>
+              <a:t>JavaScript function definitions do not specify an expected type for the function parameters and function invocations do not do any type checking on the argument values passed in. JavaScript function invocations do not even check the number of arguments being passed</a:t>
             </a:r>
           </a:p>
           <a:p>
@@ -32535,21 +31843,12 @@
               <a:rPr lang="en-US" sz="2400" dirty="0" smtClean="0"/>
               <a:t>Optional parameters</a:t>
             </a:r>
-            <a:endParaRPr lang="en-US" sz="2400" dirty="0" smtClean="0"/>
-          </a:p>
-          <a:p>
-            <a:pPr lvl="1"/>
-            <a:r>
-              <a:rPr lang="en-US" sz="2000" dirty="0" smtClean="0"/>
-              <a:t>When a function is invoked with fewer arguments than declared parameters, the </a:t>
-            </a:r>
-            <a:r>
-              <a:rPr lang="en-US" sz="2000" dirty="0" smtClean="0"/>
-              <a:t>additional </a:t>
-            </a:r>
-            <a:r>
-              <a:rPr lang="en-US" sz="2000" dirty="0" smtClean="0"/>
-              <a:t>parameters are set to the </a:t>
+          </a:p>
+          <a:p>
+            <a:pPr lvl="1"/>
+            <a:r>
+              <a:rPr lang="en-US" sz="2000" dirty="0" smtClean="0"/>
+              <a:t>When a function is invoked with fewer arguments than declared parameters, the additional parameters are set to the </a:t>
             </a:r>
             <a:r>
               <a:rPr lang="en-US" sz="2000" dirty="0" smtClean="0">
@@ -32563,62 +31862,20 @@
               <a:rPr lang="en-US" sz="2000" dirty="0" smtClean="0"/>
               <a:t> value</a:t>
             </a:r>
-            <a:endParaRPr lang="en-US" sz="2000" dirty="0" smtClean="0"/>
-          </a:p>
-          <a:p>
-            <a:pPr lvl="1"/>
-            <a:r>
-              <a:rPr lang="en-US" sz="2000" dirty="0" smtClean="0"/>
-              <a:t>Note that when designing functions with optional arguments, you should be sure </a:t>
-            </a:r>
-            <a:r>
-              <a:rPr lang="en-US" sz="2000" dirty="0" smtClean="0"/>
-              <a:t>to </a:t>
-            </a:r>
-            <a:r>
-              <a:rPr lang="en-US" sz="2000" dirty="0" smtClean="0"/>
-              <a:t>put the optional ones at the end of the argument list so that they can be omitted</a:t>
-            </a:r>
-            <a:r>
-              <a:rPr lang="en-US" sz="2000" dirty="0" smtClean="0"/>
-              <a:t>. We </a:t>
-            </a:r>
-            <a:r>
-              <a:rPr lang="en-US" sz="2000" dirty="0" smtClean="0"/>
-              <a:t>cannot omit the first argument and pass the </a:t>
-            </a:r>
-            <a:r>
-              <a:rPr lang="en-US" sz="2000" dirty="0" smtClean="0"/>
-              <a:t>second, we </a:t>
-            </a:r>
-            <a:r>
-              <a:rPr lang="en-US" sz="2000" dirty="0" smtClean="0"/>
-              <a:t>would have to explicitly pass undefined the first </a:t>
-            </a:r>
-            <a:r>
-              <a:rPr lang="en-US" sz="2000" dirty="0" smtClean="0"/>
-              <a:t>argument</a:t>
-            </a:r>
-          </a:p>
-          <a:p>
-            <a:pPr lvl="1"/>
-            <a:r>
-              <a:rPr lang="en-US" sz="2000" dirty="0" smtClean="0"/>
-              <a:t>Use  the </a:t>
-            </a:r>
-            <a:r>
-              <a:rPr lang="en-US" sz="2000" dirty="0" smtClean="0"/>
-              <a:t>comment /* optional */ in the function definition to emphasize the fact </a:t>
-            </a:r>
-            <a:r>
-              <a:rPr lang="en-US" sz="2000" dirty="0" smtClean="0"/>
-              <a:t>that </a:t>
-            </a:r>
-            <a:r>
-              <a:rPr lang="en-US" sz="2000" dirty="0" smtClean="0"/>
-              <a:t>the parameter is optional</a:t>
-            </a:r>
-            <a:endParaRPr lang="en-US" sz="2000" dirty="0" smtClean="0"/>
+          </a:p>
+          <a:p>
+            <a:pPr lvl="1"/>
+            <a:r>
+              <a:rPr lang="en-US" sz="2000" dirty="0" smtClean="0"/>
+              <a:t>Note that when designing functions with optional arguments, you should be sure to put the optional ones at the end of the argument list so that they can be omitted. We cannot omit the first argument and pass the second, we would have to explicitly pass undefined the first argument</a:t>
+            </a:r>
+          </a:p>
+          <a:p>
+            <a:pPr lvl="1"/>
+            <a:r>
+              <a:rPr lang="en-US" sz="2000" dirty="0" smtClean="0"/>
+              <a:t>Use  the comment /* optional */ in the function definition to emphasize the fact that the parameter is optional</a:t>
+            </a:r>
           </a:p>
         </p:txBody>
       </p:sp>
@@ -32630,7 +31887,7 @@
   <p:timing>
     <p:tnLst>
       <p:par>
-        <p:cTn id="1" dur="indefinite" restart="never" nodeType="tmRoot"/>
+        <p:cTn xmlns:p14="http://schemas.microsoft.com/office/powerpoint/2010/main" id="1" dur="indefinite" restart="never" nodeType="tmRoot"/>
       </p:par>
     </p:tnLst>
   </p:timing>
@@ -32712,11 +31969,7 @@
             </a:pPr>
             <a:r>
               <a:rPr lang="en-US" sz="2400" dirty="0" smtClean="0"/>
-              <a:t>The Arguments </a:t>
-            </a:r>
-            <a:r>
-              <a:rPr lang="en-US" sz="2400" dirty="0" smtClean="0"/>
-              <a:t>Object (</a:t>
+              <a:t>The Arguments Object (</a:t>
             </a:r>
             <a:r>
               <a:rPr lang="en-US" sz="2400" dirty="0" err="1" smtClean="0"/>
@@ -32739,11 +31992,7 @@
             <a:pPr lvl="1"/>
             <a:r>
               <a:rPr lang="en-US" sz="2000" dirty="0" smtClean="0"/>
-              <a:t>Within the body of a function, the </a:t>
-            </a:r>
-            <a:r>
-              <a:rPr lang="en-US" sz="2000" dirty="0" smtClean="0"/>
-              <a:t>identifier </a:t>
+              <a:t>Within the body of a function, the identifier </a:t>
             </a:r>
             <a:r>
               <a:rPr lang="en-US" sz="2000" b="1" dirty="0" smtClean="0">
@@ -32755,19 +32004,7 @@
             </a:r>
             <a:r>
               <a:rPr lang="en-US" sz="2000" dirty="0" smtClean="0"/>
-              <a:t> refers to the Arguments </a:t>
-            </a:r>
-            <a:r>
-              <a:rPr lang="en-US" sz="2000" dirty="0" smtClean="0"/>
-              <a:t>(array-like) object </a:t>
-            </a:r>
-            <a:r>
-              <a:rPr lang="en-US" sz="2000" dirty="0" smtClean="0"/>
-              <a:t>for that </a:t>
-            </a:r>
-            <a:r>
-              <a:rPr lang="en-US" sz="2000" dirty="0" smtClean="0"/>
-              <a:t>invocation</a:t>
+              <a:t> refers to the Arguments (array-like) object for that invocation</a:t>
             </a:r>
           </a:p>
           <a:p>
@@ -32802,19 +32039,7 @@
             <a:pPr lvl="1"/>
             <a:r>
               <a:rPr lang="en-US" sz="2000" dirty="0" smtClean="0"/>
-              <a:t>In ES5, in </a:t>
-            </a:r>
-            <a:r>
-              <a:rPr lang="en-US" sz="2000" dirty="0" smtClean="0"/>
-              <a:t>non-strict </a:t>
-            </a:r>
-            <a:r>
-              <a:rPr lang="en-US" sz="2000" dirty="0" smtClean="0"/>
-              <a:t>functions </a:t>
-            </a:r>
-            <a:r>
-              <a:rPr lang="en-US" sz="2000" dirty="0" smtClean="0"/>
-              <a:t>arguments is just an identifier. In strict mode, it is effectively a reserved word. </a:t>
+              <a:t>In ES5, in non-strict functions arguments is just an identifier. In strict mode, it is effectively a reserved word. </a:t>
             </a:r>
             <a:r>
               <a:rPr lang="en-US" sz="2000" dirty="0" err="1" smtClean="0"/>
@@ -32822,21 +32047,8 @@
             </a:r>
             <a:r>
               <a:rPr lang="en-US" sz="2000" dirty="0" smtClean="0"/>
-              <a:t> </a:t>
-            </a:r>
-            <a:r>
-              <a:rPr lang="en-US" sz="2000" dirty="0" smtClean="0"/>
-              <a:t>functions cannot use arguments as a parameter name or as a local variable </a:t>
-            </a:r>
-            <a:r>
-              <a:rPr lang="en-US" sz="2000" dirty="0" smtClean="0"/>
-              <a:t>name </a:t>
-            </a:r>
-            <a:r>
-              <a:rPr lang="en-US" sz="2000" dirty="0" smtClean="0"/>
-              <a:t>and they cannot assign values to arguments</a:t>
-            </a:r>
-            <a:endParaRPr lang="en-US" sz="2000" dirty="0" smtClean="0"/>
+              <a:t> functions cannot use arguments as a parameter name or as a local variable name and they cannot assign values to arguments</a:t>
+            </a:r>
           </a:p>
         </p:txBody>
       </p:sp>
@@ -32880,7 +32092,7 @@
   <p:timing>
     <p:tnLst>
       <p:par>
-        <p:cTn id="1" dur="indefinite" restart="never" nodeType="tmRoot"/>
+        <p:cTn xmlns:p14="http://schemas.microsoft.com/office/powerpoint/2010/main" id="1" dur="indefinite" restart="never" nodeType="tmRoot"/>
       </p:par>
     </p:tnLst>
   </p:timing>
@@ -32962,11 +32174,7 @@
             </a:pPr>
             <a:r>
               <a:rPr lang="en-US" sz="2400" dirty="0" smtClean="0"/>
-              <a:t>The Arguments </a:t>
-            </a:r>
-            <a:r>
-              <a:rPr lang="en-US" sz="2400" dirty="0" smtClean="0"/>
-              <a:t>Object (</a:t>
+              <a:t>The Arguments Object (</a:t>
             </a:r>
             <a:r>
               <a:rPr lang="en-US" sz="2400" dirty="0" err="1" smtClean="0"/>
@@ -32997,19 +32205,7 @@
             </a:r>
             <a:r>
               <a:rPr lang="en-US" sz="2000" dirty="0" smtClean="0"/>
-              <a:t> and caller properties </a:t>
-            </a:r>
-            <a:r>
-              <a:rPr lang="en-US" sz="2000" dirty="0" smtClean="0"/>
-              <a:t>In </a:t>
-            </a:r>
-            <a:r>
-              <a:rPr lang="en-US" sz="2000" dirty="0" smtClean="0"/>
-              <a:t>ES5 </a:t>
-            </a:r>
-            <a:r>
-              <a:rPr lang="en-US" sz="2000" dirty="0" smtClean="0"/>
-              <a:t>strict mode, these properties are guaranteed to raise a </a:t>
+              <a:t> and caller properties In ES5 strict mode, these properties are guaranteed to raise a </a:t>
             </a:r>
             <a:r>
               <a:rPr lang="en-US" sz="2000" dirty="0" err="1" smtClean="0"/>
@@ -33017,23 +32213,7 @@
             </a:r>
             <a:r>
               <a:rPr lang="en-US" sz="2000" dirty="0" smtClean="0"/>
-              <a:t> if you try to read or write </a:t>
-            </a:r>
-            <a:r>
-              <a:rPr lang="en-US" sz="2000" dirty="0" smtClean="0"/>
-              <a:t>them. </a:t>
-            </a:r>
-            <a:r>
-              <a:rPr lang="en-US" sz="2000" dirty="0" smtClean="0"/>
-              <a:t>Outside of strict </a:t>
-            </a:r>
-            <a:r>
-              <a:rPr lang="en-US" sz="2000" dirty="0" smtClean="0"/>
-              <a:t>mode, ES5 </a:t>
-            </a:r>
-            <a:r>
-              <a:rPr lang="en-US" sz="2000" dirty="0" smtClean="0"/>
-              <a:t>says that the </a:t>
+              <a:t> if you try to read or write them. Outside of strict mode, ES5 says that the </a:t>
             </a:r>
             <a:r>
               <a:rPr lang="en-US" sz="2000" dirty="0" err="1" smtClean="0"/>
@@ -33041,39 +32221,7 @@
             </a:r>
             <a:r>
               <a:rPr lang="en-US" sz="2000" dirty="0" smtClean="0"/>
-              <a:t> property refers to the currently running </a:t>
-            </a:r>
-            <a:r>
-              <a:rPr lang="en-US" sz="2000" dirty="0" smtClean="0"/>
-              <a:t>function. </a:t>
-            </a:r>
-            <a:r>
-              <a:rPr lang="en-US" sz="2000" dirty="0" smtClean="0"/>
-              <a:t>caller is a nonstandard but commonly implemented property that refers to the </a:t>
-            </a:r>
-            <a:r>
-              <a:rPr lang="en-US" sz="2000" dirty="0" smtClean="0"/>
-              <a:t>function </a:t>
-            </a:r>
-            <a:r>
-              <a:rPr lang="en-US" sz="2000" dirty="0" smtClean="0"/>
-              <a:t>that called this </a:t>
-            </a:r>
-            <a:r>
-              <a:rPr lang="en-US" sz="2000" dirty="0" smtClean="0"/>
-              <a:t>one. </a:t>
-            </a:r>
-            <a:r>
-              <a:rPr lang="en-US" sz="2000" dirty="0" smtClean="0"/>
-              <a:t>The caller property gives access to the call </a:t>
-            </a:r>
-            <a:r>
-              <a:rPr lang="en-US" sz="2000" dirty="0" smtClean="0"/>
-              <a:t>stack </a:t>
-            </a:r>
-            <a:r>
-              <a:rPr lang="en-US" sz="2000" dirty="0" smtClean="0"/>
-              <a:t>and the </a:t>
+              <a:t> property refers to the currently running function. caller is a nonstandard but commonly implemented property that refers to the function that called this one. The caller property gives access to the call stack and the </a:t>
             </a:r>
             <a:r>
               <a:rPr lang="en-US" sz="2000" dirty="0" err="1" smtClean="0"/>
@@ -33081,15 +32229,7 @@
             </a:r>
             <a:r>
               <a:rPr lang="en-US" sz="2000" dirty="0" smtClean="0"/>
-              <a:t> </a:t>
-            </a:r>
-            <a:r>
-              <a:rPr lang="en-US" sz="2000" dirty="0" smtClean="0"/>
-              <a:t>property is occasionally useful to allow unnamed functions to call </a:t>
-            </a:r>
-            <a:r>
-              <a:rPr lang="en-US" sz="2000" dirty="0" smtClean="0"/>
-              <a:t>themselves recursively:</a:t>
+              <a:t> property is occasionally useful to allow unnamed functions to call themselves recursively:</a:t>
             </a:r>
           </a:p>
           <a:p>
@@ -33114,7 +32254,6 @@
               <a:rPr lang="en-US" sz="2000" dirty="0" smtClean="0"/>
               <a:t>Remember to check the type of the argument passed in (good habit and best practice ?)</a:t>
             </a:r>
-            <a:endParaRPr lang="en-US" sz="2000" dirty="0" smtClean="0"/>
           </a:p>
         </p:txBody>
       </p:sp>
@@ -33158,7 +32297,7 @@
   <p:timing>
     <p:tnLst>
       <p:par>
-        <p:cTn id="1" dur="indefinite" restart="never" nodeType="tmRoot"/>
+        <p:cTn xmlns:p14="http://schemas.microsoft.com/office/powerpoint/2010/main" id="1" dur="indefinite" restart="never" nodeType="tmRoot"/>
       </p:par>
     </p:tnLst>
   </p:timing>
@@ -33242,7 +32381,6 @@
               <a:rPr lang="en-US" sz="2400" dirty="0" smtClean="0"/>
               <a:t>Defining Your Own Function Properties</a:t>
             </a:r>
-            <a:endParaRPr lang="en-US" sz="2400" dirty="0" smtClean="0"/>
           </a:p>
           <a:p>
             <a:pPr lvl="1"/>
@@ -33290,7 +32428,7 @@
   <p:timing>
     <p:tnLst>
       <p:par>
-        <p:cTn id="1" dur="indefinite" restart="never" nodeType="tmRoot"/>
+        <p:cTn xmlns:p14="http://schemas.microsoft.com/office/powerpoint/2010/main" id="1" dur="indefinite" restart="never" nodeType="tmRoot"/>
       </p:par>
     </p:tnLst>
   </p:timing>
@@ -33372,58 +32510,14 @@
             </a:pPr>
             <a:r>
               <a:rPr lang="en-US" sz="2400" dirty="0" smtClean="0"/>
-              <a:t>Functions As </a:t>
-            </a:r>
-            <a:r>
-              <a:rPr lang="en-US" sz="2400" dirty="0" smtClean="0"/>
-              <a:t>Namespaces (idioms in JS)</a:t>
-            </a:r>
-          </a:p>
-          <a:p>
-            <a:pPr lvl="1"/>
-            <a:r>
-              <a:rPr lang="en-US" sz="2000" dirty="0" smtClean="0"/>
-              <a:t>Note the open parenthesis before function below is required because without it </a:t>
-            </a:r>
-            <a:r>
-              <a:rPr lang="en-US" sz="2000" dirty="0" smtClean="0"/>
-              <a:t>the </a:t>
-            </a:r>
-            <a:r>
-              <a:rPr lang="en-US" sz="2000" dirty="0" smtClean="0"/>
-              <a:t>JavaScript </a:t>
-            </a:r>
-            <a:r>
-              <a:rPr lang="en-US" sz="2000" dirty="0" smtClean="0"/>
-              <a:t>interpreter tries to parse the function keyword as a function declaration </a:t>
-            </a:r>
-            <a:r>
-              <a:rPr lang="en-US" sz="2000" dirty="0" smtClean="0"/>
-              <a:t>statement. </a:t>
-            </a:r>
-            <a:r>
-              <a:rPr lang="en-US" sz="2000" dirty="0" smtClean="0"/>
-              <a:t>With the parenthesis, the interpreter correctly recognizes this as a </a:t>
-            </a:r>
-            <a:r>
-              <a:rPr lang="en-US" sz="2000" dirty="0" smtClean="0"/>
-              <a:t>function </a:t>
-            </a:r>
-            <a:r>
-              <a:rPr lang="en-US" sz="2000" dirty="0" smtClean="0"/>
-              <a:t>definition expression. It is idiomatic to use the parentheses, even when they are </a:t>
-            </a:r>
-            <a:r>
-              <a:rPr lang="en-US" sz="2000" dirty="0" smtClean="0"/>
-              <a:t>not </a:t>
-            </a:r>
-            <a:r>
-              <a:rPr lang="en-US" sz="2000" dirty="0" smtClean="0"/>
-              <a:t>required, around a function that is to be invoked immediately after being </a:t>
-            </a:r>
-            <a:r>
-              <a:rPr lang="en-US" sz="2000" dirty="0" smtClean="0"/>
-              <a:t>defined</a:t>
+              <a:t>Functions As Namespaces (idioms in JS)</a:t>
+            </a:r>
+          </a:p>
+          <a:p>
+            <a:pPr lvl="1"/>
+            <a:r>
+              <a:rPr lang="en-US" sz="2000" dirty="0" smtClean="0"/>
+              <a:t>Note the open parenthesis before function below is required because without it the JavaScript interpreter tries to parse the function keyword as a function declaration statement. With the parenthesis, the interpreter correctly recognizes this as a function definition expression. It is idiomatic to use the parentheses, even when they are not required, around a function that is to be invoked immediately after being defined</a:t>
             </a:r>
           </a:p>
           <a:p>
@@ -33472,7 +32566,7 @@
   <p:timing>
     <p:tnLst>
       <p:par>
-        <p:cTn id="1" dur="indefinite" restart="never" nodeType="tmRoot"/>
+        <p:cTn xmlns:p14="http://schemas.microsoft.com/office/powerpoint/2010/main" id="1" dur="indefinite" restart="never" nodeType="tmRoot"/>
       </p:par>
     </p:tnLst>
   </p:timing>
@@ -33561,59 +32655,7 @@
             <a:pPr lvl="1"/>
             <a:r>
               <a:rPr lang="en-US" sz="2000" dirty="0" smtClean="0"/>
-              <a:t>Each time a JavaScript function is invoked, a new </a:t>
-            </a:r>
-            <a:r>
-              <a:rPr lang="en-US" sz="2000" dirty="0" smtClean="0"/>
-              <a:t>object </a:t>
-            </a:r>
-            <a:r>
-              <a:rPr lang="en-US" sz="2000" dirty="0" smtClean="0"/>
-              <a:t>is created to hold the local variables for that invocation, and that object is added to </a:t>
-            </a:r>
-            <a:r>
-              <a:rPr lang="en-US" sz="2000" dirty="0" smtClean="0"/>
-              <a:t>the </a:t>
-            </a:r>
-            <a:r>
-              <a:rPr lang="en-US" sz="2000" dirty="0" smtClean="0"/>
-              <a:t>scope chain. When the function returns, that variable binding object is removed </a:t>
-            </a:r>
-            <a:r>
-              <a:rPr lang="en-US" sz="2000" dirty="0" smtClean="0"/>
-              <a:t>from </a:t>
-            </a:r>
-            <a:r>
-              <a:rPr lang="en-US" sz="2000" dirty="0" smtClean="0"/>
-              <a:t>the scope chain. If there were no nested functions, there are no more references to </a:t>
-            </a:r>
-            <a:r>
-              <a:rPr lang="en-US" sz="2000" dirty="0" smtClean="0"/>
-              <a:t>the </a:t>
-            </a:r>
-            <a:r>
-              <a:rPr lang="en-US" sz="2000" dirty="0" smtClean="0"/>
-              <a:t>binding object and it gets garbage collected. If there were nested functions defined</a:t>
-            </a:r>
-            <a:r>
-              <a:rPr lang="en-US" sz="2000" dirty="0" smtClean="0"/>
-              <a:t>, </a:t>
-            </a:r>
-            <a:r>
-              <a:rPr lang="en-US" sz="2000" dirty="0" smtClean="0"/>
-              <a:t>then each of those functions has a reference to the scope chain, and that scope </a:t>
-            </a:r>
-            <a:r>
-              <a:rPr lang="en-US" sz="2000" dirty="0" smtClean="0"/>
-              <a:t>chain </a:t>
-            </a:r>
-            <a:r>
-              <a:rPr lang="en-US" sz="2000" dirty="0" smtClean="0"/>
-              <a:t>refers to the variable binding object. If those nested functions objects </a:t>
-            </a:r>
-            <a:r>
-              <a:rPr lang="en-US" sz="2000" dirty="0" smtClean="0"/>
-              <a:t>(only) </a:t>
+              <a:t>Each time a JavaScript function is invoked, a new object is created to hold the local variables for that invocation, and that object is added to the scope chain. When the function returns, that variable binding object is removed from the scope chain. If there were no nested functions, there are no more references to the binding object and it gets garbage collected. If there were nested functions defined, then each of those functions has a reference to the scope chain, and that scope chain refers to the variable binding object. If those nested functions objects (only) </a:t>
             </a:r>
             <a:r>
               <a:rPr lang="en-US" sz="2000" dirty="0" smtClean="0">
@@ -33621,53 +32663,12 @@
                   <a:srgbClr val="FF0000"/>
                 </a:solidFill>
               </a:rPr>
-              <a:t>remained within </a:t>
-            </a:r>
-            <a:r>
-              <a:rPr lang="en-US" sz="2000" dirty="0" smtClean="0">
-                <a:solidFill>
-                  <a:srgbClr val="FF0000"/>
-                </a:solidFill>
-              </a:rPr>
-              <a:t>their outer function</a:t>
-            </a:r>
-            <a:r>
-              <a:rPr lang="en-US" sz="2000" dirty="0" smtClean="0"/>
-              <a:t>, however, then they themselves will be garbage collected, </a:t>
-            </a:r>
-            <a:r>
-              <a:rPr lang="en-US" sz="2000" dirty="0" smtClean="0"/>
-              <a:t>along </a:t>
-            </a:r>
-            <a:r>
-              <a:rPr lang="en-US" sz="2000" dirty="0" smtClean="0"/>
-              <a:t>with the variable binding object they referred to. But if the function defines a </a:t>
-            </a:r>
-            <a:r>
-              <a:rPr lang="en-US" sz="2000" dirty="0" smtClean="0"/>
-              <a:t>nested </a:t>
-            </a:r>
-            <a:r>
-              <a:rPr lang="en-US" sz="2000" dirty="0" smtClean="0"/>
-              <a:t>function and returns it or stores it into a property somewhere, then there will be </a:t>
-            </a:r>
-            <a:r>
-              <a:rPr lang="en-US" sz="2000" dirty="0" smtClean="0"/>
-              <a:t>an </a:t>
-            </a:r>
-            <a:r>
-              <a:rPr lang="en-US" sz="2000" dirty="0" smtClean="0"/>
-              <a:t>external reference to the nested function. It won’t be garbage collected, and the </a:t>
-            </a:r>
-            <a:r>
-              <a:rPr lang="en-US" sz="2000" dirty="0" smtClean="0"/>
-              <a:t>variable </a:t>
-            </a:r>
-            <a:r>
-              <a:rPr lang="en-US" sz="2000" dirty="0" smtClean="0"/>
-              <a:t>binding object it refers to won’t be garbage collected either</a:t>
-            </a:r>
-            <a:endParaRPr lang="en-US" sz="2000" dirty="0" smtClean="0"/>
+              <a:t>remained within their outer function</a:t>
+            </a:r>
+            <a:r>
+              <a:rPr lang="en-US" sz="2000" dirty="0" smtClean="0"/>
+              <a:t>, however, then they themselves will be garbage collected, along with the variable binding object they referred to. But if the function defines a nested function and returns it or stores it into a property somewhere, then there will be an external reference to the nested function. It won’t be garbage collected, and the variable binding object it refers to won’t be garbage collected either</a:t>
+            </a:r>
           </a:p>
           <a:p>
             <a:pPr lvl="1"/>
@@ -33683,7 +32684,7 @@
   <p:timing>
     <p:tnLst>
       <p:par>
-        <p:cTn id="1" dur="indefinite" restart="never" nodeType="tmRoot"/>
+        <p:cTn xmlns:p14="http://schemas.microsoft.com/office/powerpoint/2010/main" id="1" dur="indefinite" restart="never" nodeType="tmRoot"/>
       </p:par>
     </p:tnLst>
   </p:timing>
@@ -33838,15 +32839,27 @@
             <a:pPr lvl="1"/>
             <a:r>
               <a:rPr lang="en-US" sz="2000" dirty="0" smtClean="0"/>
-              <a:t>E</a:t>
-            </a:r>
-            <a:r>
-              <a:rPr lang="en-US" sz="2000" dirty="0" smtClean="0"/>
-              <a:t>very </a:t>
-            </a:r>
-            <a:r>
-              <a:rPr lang="en-US" sz="2000" dirty="0" smtClean="0"/>
-              <a:t>function invocation has a this value, and a closure cannot access the </a:t>
+              <a:t>Every function invocation has a </a:t>
+            </a:r>
+            <a:r>
+              <a:rPr lang="en-US" sz="2000" b="1" dirty="0" smtClean="0">
+                <a:solidFill>
+                  <a:srgbClr val="FF6600"/>
+                </a:solidFill>
+              </a:rPr>
+              <a:t>this</a:t>
+            </a:r>
+            <a:r>
+              <a:rPr lang="en-US" sz="2000" dirty="0" smtClean="0">
+                <a:solidFill>
+                  <a:srgbClr val="FF6600"/>
+                </a:solidFill>
+              </a:rPr>
+              <a:t> </a:t>
+            </a:r>
+            <a:r>
+              <a:rPr lang="en-US" sz="2000" dirty="0" smtClean="0"/>
+              <a:t>value, and a closure cannot access the </a:t>
             </a:r>
             <a:r>
               <a:rPr lang="en-US" sz="2000" b="1" dirty="0" smtClean="0">
@@ -33873,11 +32886,7 @@
             </a:r>
             <a:r>
               <a:rPr lang="en-US" sz="2000" dirty="0" smtClean="0"/>
-              <a:t> self = this; // </a:t>
-            </a:r>
-            <a:r>
-              <a:rPr lang="en-US" sz="2000" dirty="0" smtClean="0"/>
-              <a:t>Save this value in a variable for use by nested </a:t>
+              <a:t> self = this; // Save this value in a variable for use by nested </a:t>
             </a:r>
             <a:r>
               <a:rPr lang="en-US" sz="2000" dirty="0" err="1" smtClean="0"/>
@@ -33892,13 +32901,8 @@
             <a:pPr lvl="1"/>
             <a:r>
               <a:rPr lang="en-US" sz="2000" dirty="0" smtClean="0"/>
-              <a:t>Same to the arguments </a:t>
-            </a:r>
-            <a:r>
-              <a:rPr lang="en-US" sz="2000" dirty="0" smtClean="0"/>
-              <a:t>object</a:t>
-            </a:r>
-            <a:endParaRPr lang="en-US" sz="2000" dirty="0" smtClean="0"/>
+              <a:t>Same to the arguments object</a:t>
+            </a:r>
           </a:p>
           <a:p>
             <a:pPr marL="342900" lvl="1" indent="-342900">
@@ -33957,7 +32961,7 @@
   <p:timing>
     <p:tnLst>
       <p:par>
-        <p:cTn id="1" dur="indefinite" restart="never" nodeType="tmRoot"/>
+        <p:cTn xmlns:p14="http://schemas.microsoft.com/office/powerpoint/2010/main" id="1" dur="indefinite" restart="never" nodeType="tmRoot"/>
       </p:par>
     </p:tnLst>
   </p:timing>
@@ -34091,7 +33095,7 @@
   <p:timing>
     <p:tnLst>
       <p:par>
-        <p:cTn id="1" dur="indefinite" restart="never" nodeType="tmRoot"/>
+        <p:cTn xmlns:p14="http://schemas.microsoft.com/office/powerpoint/2010/main" id="1" dur="indefinite" restart="never" nodeType="tmRoot"/>
       </p:par>
     </p:tnLst>
   </p:timing>
@@ -34175,17 +33179,12 @@
               <a:rPr lang="en-US" sz="2400" dirty="0" smtClean="0"/>
               <a:t>Function Properties, Methods, and Constructor</a:t>
             </a:r>
-            <a:endParaRPr lang="en-US" sz="2400" dirty="0" smtClean="0"/>
-          </a:p>
-          <a:p>
-            <a:pPr lvl="1"/>
-            <a:r>
-              <a:rPr lang="en-US" sz="2000" dirty="0" smtClean="0"/>
-              <a:t>The length </a:t>
-            </a:r>
-            <a:r>
-              <a:rPr lang="en-US" sz="2000" dirty="0" smtClean="0"/>
-              <a:t>Property (</a:t>
+          </a:p>
+          <a:p>
+            <a:pPr lvl="1"/>
+            <a:r>
+              <a:rPr lang="en-US" sz="2000" dirty="0" smtClean="0"/>
+              <a:t>The length Property (</a:t>
             </a:r>
             <a:r>
               <a:rPr lang="en-US" sz="2000" dirty="0" err="1" smtClean="0"/>
@@ -34212,22 +33211,14 @@
             <a:pPr lvl="1"/>
             <a:r>
               <a:rPr lang="en-US" sz="2000" dirty="0" smtClean="0"/>
-              <a:t>The prototype </a:t>
-            </a:r>
-            <a:r>
-              <a:rPr lang="en-US" sz="2000" dirty="0" smtClean="0"/>
-              <a:t>Property</a:t>
-            </a:r>
-          </a:p>
-          <a:p>
-            <a:pPr lvl="1"/>
-            <a:r>
-              <a:rPr lang="en-US" sz="2000" dirty="0" smtClean="0"/>
-              <a:t>The call() and apply() </a:t>
-            </a:r>
-            <a:r>
-              <a:rPr lang="en-US" sz="2000" dirty="0" smtClean="0"/>
-              <a:t>Methods, call </a:t>
+              <a:t>The prototype Property</a:t>
+            </a:r>
+          </a:p>
+          <a:p>
+            <a:pPr lvl="1"/>
+            <a:r>
+              <a:rPr lang="en-US" sz="2000" dirty="0" smtClean="0"/>
+              <a:t>The call() and apply() Methods, call </a:t>
             </a:r>
             <a:r>
               <a:rPr lang="en-US" sz="2000" b="1" dirty="0" smtClean="0"/>
@@ -34264,13 +33255,8 @@
             <a:pPr lvl="1"/>
             <a:r>
               <a:rPr lang="en-US" sz="2000" dirty="0" smtClean="0"/>
-              <a:t>The </a:t>
-            </a:r>
-            <a:r>
-              <a:rPr lang="en-US" sz="2000" dirty="0" smtClean="0"/>
-              <a:t>bind() Method</a:t>
-            </a:r>
-            <a:endParaRPr lang="en-US" sz="2000" dirty="0" smtClean="0"/>
+              <a:t>The bind() Method</a:t>
+            </a:r>
           </a:p>
           <a:p>
             <a:pPr lvl="1"/>
@@ -34350,7 +33336,7 @@
   <p:timing>
     <p:tnLst>
       <p:par>
-        <p:cTn id="1" dur="indefinite" restart="never" nodeType="tmRoot"/>
+        <p:cTn xmlns:p14="http://schemas.microsoft.com/office/powerpoint/2010/main" id="1" dur="indefinite" restart="never" nodeType="tmRoot"/>
       </p:par>
     </p:tnLst>
   </p:timing>
@@ -34434,21 +33420,12 @@
               <a:rPr lang="en-US" sz="2400" dirty="0" smtClean="0"/>
               <a:t>Function Properties, Methods, and Constructor</a:t>
             </a:r>
-            <a:endParaRPr lang="en-US" sz="2400" dirty="0" smtClean="0"/>
-          </a:p>
-          <a:p>
-            <a:pPr lvl="1"/>
-            <a:r>
-              <a:rPr lang="en-US" sz="2000" dirty="0" smtClean="0"/>
-              <a:t>The </a:t>
-            </a:r>
-            <a:r>
-              <a:rPr lang="en-US" sz="2000" dirty="0" smtClean="0"/>
-              <a:t>bind() </a:t>
-            </a:r>
-            <a:r>
-              <a:rPr lang="en-US" sz="2000" dirty="0" smtClean="0"/>
-              <a:t>Method implementation in ES3</a:t>
+          </a:p>
+          <a:p>
+            <a:pPr lvl="1"/>
+            <a:r>
+              <a:rPr lang="en-US" sz="2000" dirty="0" smtClean="0"/>
+              <a:t>The bind() Method implementation in ES3</a:t>
             </a:r>
           </a:p>
           <a:p>
@@ -34497,7 +33474,7 @@
   <p:timing>
     <p:tnLst>
       <p:par>
-        <p:cTn id="1" dur="indefinite" restart="never" nodeType="tmRoot"/>
+        <p:cTn xmlns:p14="http://schemas.microsoft.com/office/powerpoint/2010/main" id="1" dur="indefinite" restart="never" nodeType="tmRoot"/>
       </p:par>
     </p:tnLst>
   </p:timing>
@@ -34581,21 +33558,12 @@
               <a:rPr lang="en-US" sz="2400" dirty="0" smtClean="0"/>
               <a:t>Function Properties, Methods, and Constructor</a:t>
             </a:r>
-            <a:endParaRPr lang="en-US" sz="2400" dirty="0" smtClean="0"/>
-          </a:p>
-          <a:p>
-            <a:pPr lvl="1"/>
-            <a:r>
-              <a:rPr lang="en-US" sz="2000" dirty="0" smtClean="0"/>
-              <a:t>The </a:t>
-            </a:r>
-            <a:r>
-              <a:rPr lang="en-US" sz="2000" dirty="0" smtClean="0"/>
-              <a:t>Function() </a:t>
-            </a:r>
-            <a:r>
-              <a:rPr lang="en-US" sz="2000" dirty="0" smtClean="0"/>
-              <a:t>Constructor</a:t>
+          </a:p>
+          <a:p>
+            <a:pPr lvl="1"/>
+            <a:r>
+              <a:rPr lang="en-US" sz="2000" dirty="0" smtClean="0"/>
+              <a:t>The Function() Constructor</a:t>
             </a:r>
             <a:br>
               <a:rPr lang="en-US" sz="2000" dirty="0" smtClean="0"/>
@@ -34606,15 +33574,7 @@
             </a:r>
             <a:r>
               <a:rPr lang="en-US" sz="2000" dirty="0" smtClean="0"/>
-              <a:t> </a:t>
-            </a:r>
-            <a:r>
-              <a:rPr lang="en-US" sz="2000" dirty="0" smtClean="0"/>
-              <a:t>f = new Function("x", "y", "return x*y</a:t>
-            </a:r>
-            <a:r>
-              <a:rPr lang="en-US" sz="2000" dirty="0" smtClean="0"/>
-              <a:t>;"); almost equals to </a:t>
+              <a:t> f = new Function("x", "y", "return x*y;"); almost equals to </a:t>
             </a:r>
             <a:br>
               <a:rPr lang="en-US" sz="2000" dirty="0" smtClean="0"/>
@@ -34625,72 +33585,28 @@
             </a:r>
             <a:r>
               <a:rPr lang="en-US" sz="2000" dirty="0" smtClean="0"/>
-              <a:t> </a:t>
-            </a:r>
-            <a:r>
-              <a:rPr lang="en-US" sz="2000" dirty="0" smtClean="0"/>
-              <a:t>f = function(x, y) { return x*y; </a:t>
-            </a:r>
-            <a:r>
-              <a:rPr lang="en-US" sz="2000" dirty="0" smtClean="0"/>
-              <a:t>}</a:t>
-            </a:r>
-          </a:p>
-          <a:p>
-            <a:pPr lvl="1"/>
-            <a:r>
-              <a:rPr lang="en-US" sz="2000" dirty="0" smtClean="0"/>
-              <a:t>The </a:t>
-            </a:r>
-            <a:r>
-              <a:rPr lang="en-US" sz="2000" dirty="0" smtClean="0"/>
-              <a:t>Function() constructor allows JavaScript functions to be dynamically </a:t>
-            </a:r>
-            <a:r>
-              <a:rPr lang="en-US" sz="2000" dirty="0" smtClean="0"/>
-              <a:t>created </a:t>
-            </a:r>
-            <a:r>
-              <a:rPr lang="en-US" sz="2000" dirty="0" smtClean="0"/>
-              <a:t>and compiled at </a:t>
-            </a:r>
-            <a:r>
-              <a:rPr lang="en-US" sz="2000" dirty="0" smtClean="0"/>
-              <a:t>runtime</a:t>
-            </a:r>
-          </a:p>
-          <a:p>
-            <a:pPr lvl="1"/>
-            <a:r>
-              <a:rPr lang="en-US" sz="2000" dirty="0" smtClean="0"/>
-              <a:t>The Function() constructor parses the function body and creates a new </a:t>
-            </a:r>
-            <a:r>
-              <a:rPr lang="en-US" sz="2000" dirty="0" smtClean="0"/>
-              <a:t>function </a:t>
-            </a:r>
-            <a:r>
-              <a:rPr lang="en-US" sz="2000" dirty="0" smtClean="0"/>
-              <a:t>object each time it is </a:t>
-            </a:r>
-            <a:r>
-              <a:rPr lang="en-US" sz="2000" dirty="0" smtClean="0"/>
-              <a:t>called (performance)</a:t>
-            </a:r>
-          </a:p>
-          <a:p>
-            <a:pPr lvl="1"/>
-            <a:r>
-              <a:rPr lang="en-US" sz="2000" dirty="0" smtClean="0"/>
-              <a:t>the functions </a:t>
-            </a:r>
-            <a:r>
-              <a:rPr lang="en-US" sz="2000" dirty="0" smtClean="0"/>
-              <a:t>it </a:t>
-            </a:r>
-            <a:r>
-              <a:rPr lang="en-US" sz="2000" dirty="0" smtClean="0"/>
-              <a:t>creates do not use </a:t>
+              <a:t> f = function(x, y) { return x*y; }</a:t>
+            </a:r>
+          </a:p>
+          <a:p>
+            <a:pPr lvl="1"/>
+            <a:r>
+              <a:rPr lang="en-US" sz="2000" dirty="0" smtClean="0"/>
+              <a:t>The Function() constructor allows JavaScript functions to be dynamically created and compiled at runtime</a:t>
+            </a:r>
+          </a:p>
+          <a:p>
+            <a:pPr lvl="1"/>
+            <a:r>
+              <a:rPr lang="en-US" sz="2000" dirty="0" smtClean="0"/>
+              <a:t>The Function() constructor parses the function body and creates a new function object each time it is called (performance)</a:t>
+            </a:r>
+          </a:p>
+          <a:p>
+            <a:pPr lvl="1"/>
+            <a:r>
+              <a:rPr lang="en-US" sz="2000" dirty="0" smtClean="0"/>
+              <a:t>the functions it creates do not use </a:t>
             </a:r>
             <a:r>
               <a:rPr lang="en-US" sz="2000" dirty="0" smtClean="0">
@@ -34702,19 +33618,7 @@
             </a:r>
             <a:r>
               <a:rPr lang="en-US" sz="2000" dirty="0" smtClean="0"/>
-              <a:t>; instead, they are always compiled as if </a:t>
-            </a:r>
-            <a:r>
-              <a:rPr lang="en-US" sz="2000" dirty="0" smtClean="0"/>
-              <a:t>they </a:t>
-            </a:r>
-            <a:r>
-              <a:rPr lang="en-US" sz="2000" dirty="0" smtClean="0"/>
-              <a:t>were top-level functions, as the following code </a:t>
-            </a:r>
-            <a:r>
-              <a:rPr lang="en-US" sz="2000" dirty="0" smtClean="0"/>
-              <a:t>demonstrates:</a:t>
+              <a:t>; instead, they are always compiled as if they were top-level functions, as the following code demonstrates:</a:t>
             </a:r>
           </a:p>
           <a:p>
@@ -34763,7 +33667,7 @@
   <p:timing>
     <p:tnLst>
       <p:par>
-        <p:cTn id="1" dur="indefinite" restart="never" nodeType="tmRoot"/>
+        <p:cTn xmlns:p14="http://schemas.microsoft.com/office/powerpoint/2010/main" id="1" dur="indefinite" restart="never" nodeType="tmRoot"/>
       </p:par>
     </p:tnLst>
   </p:timing>
@@ -34978,7 +33882,7 @@
   <p:timing>
     <p:tnLst>
       <p:par>
-        <p:cTn id="1" dur="indefinite" restart="never" nodeType="tmRoot"/>
+        <p:cTn xmlns:p14="http://schemas.microsoft.com/office/powerpoint/2010/main" id="1" dur="indefinite" restart="never" nodeType="tmRoot"/>
       </p:par>
     </p:tnLst>
   </p:timing>
@@ -35067,34 +33971,14 @@
             <a:pPr lvl="1"/>
             <a:r>
               <a:rPr lang="en-US" sz="2000" dirty="0" smtClean="0"/>
-              <a:t>In JavaScript, a class </a:t>
-            </a:r>
-            <a:r>
-              <a:rPr lang="en-US" sz="2000" dirty="0" smtClean="0"/>
-              <a:t>is a set of objects that inherit properties from the same </a:t>
-            </a:r>
-            <a:r>
-              <a:rPr lang="en-US" sz="2000" dirty="0" smtClean="0"/>
-              <a:t>prototype object</a:t>
-            </a:r>
-          </a:p>
-          <a:p>
-            <a:pPr lvl="1"/>
-            <a:r>
-              <a:rPr lang="en-US" sz="2000" dirty="0" smtClean="0"/>
-              <a:t>The critical feature of constructor invocations is that </a:t>
-            </a:r>
-            <a:r>
-              <a:rPr lang="en-US" sz="2000" dirty="0" smtClean="0"/>
-              <a:t>the </a:t>
-            </a:r>
-            <a:r>
-              <a:rPr lang="en-US" sz="2000" dirty="0" smtClean="0"/>
-              <a:t>prototype property of the constructor is used as the prototype of the new </a:t>
-            </a:r>
-            <a:r>
-              <a:rPr lang="en-US" sz="2000" dirty="0" smtClean="0"/>
-              <a:t>object (Usually we need define prototype property for the constructor)</a:t>
+              <a:t>In JavaScript, a class is a set of objects that inherit properties from the same prototype object</a:t>
+            </a:r>
+          </a:p>
+          <a:p>
+            <a:pPr lvl="1"/>
+            <a:r>
+              <a:rPr lang="en-US" sz="2000" dirty="0" smtClean="0"/>
+              <a:t>The critical feature of constructor invocations is that the prototype property of the constructor is used as the prototype of the new object (Usually we need define prototype property for the constructor)</a:t>
             </a:r>
           </a:p>
           <a:p>
@@ -35108,11 +33992,7 @@
             <a:pPr lvl="1"/>
             <a:r>
               <a:rPr lang="en-US" sz="2000" dirty="0" smtClean="0"/>
-              <a:t>The </a:t>
-            </a:r>
-            <a:r>
-              <a:rPr lang="en-US" sz="2000" dirty="0" smtClean="0"/>
-              <a:t>prototype object is fundamental to the </a:t>
+              <a:t>The prototype object is fundamental to the </a:t>
             </a:r>
             <a:r>
               <a:rPr lang="en-US" sz="2000" dirty="0" smtClean="0">
@@ -35124,27 +34004,7 @@
             </a:r>
             <a:r>
               <a:rPr lang="en-US" sz="2000" dirty="0" smtClean="0"/>
-              <a:t> of a class: two </a:t>
-            </a:r>
-            <a:r>
-              <a:rPr lang="en-US" sz="2000" dirty="0" smtClean="0"/>
-              <a:t>objects </a:t>
-            </a:r>
-            <a:r>
-              <a:rPr lang="en-US" sz="2000" dirty="0" smtClean="0"/>
-              <a:t>are instances of the same class if and only if they inherit from the same prototype </a:t>
-            </a:r>
-            <a:r>
-              <a:rPr lang="en-US" sz="2000" dirty="0" smtClean="0"/>
-              <a:t>object. </a:t>
-            </a:r>
-            <a:r>
-              <a:rPr lang="en-US" sz="2000" dirty="0" smtClean="0"/>
-              <a:t>The constructor function that initializes the state of a new object is not fundamental</a:t>
-            </a:r>
-            <a:r>
-              <a:rPr lang="en-US" sz="2000" dirty="0" smtClean="0"/>
-              <a:t>: </a:t>
+              <a:t> of a class: two objects are instances of the same class if and only if they inherit from the same prototype object. The constructor function that initializes the state of a new object is not fundamental: </a:t>
             </a:r>
             <a:r>
               <a:rPr lang="en-US" sz="2000" dirty="0" smtClean="0">
@@ -35176,15 +34036,7 @@
                   <a:srgbClr val="FF0000"/>
                 </a:solidFill>
               </a:rPr>
-              <a:t>prototype </a:t>
-            </a:r>
-            <a:r>
-              <a:rPr lang="en-US" sz="2000" dirty="0" smtClean="0">
-                <a:solidFill>
-                  <a:srgbClr val="FF0000"/>
-                </a:solidFill>
-              </a:rPr>
-              <a:t>object</a:t>
+              <a:t>prototype object</a:t>
             </a:r>
             <a:r>
               <a:rPr lang="en-US" sz="2000" dirty="0" smtClean="0"/>
@@ -35201,7 +34053,7 @@
   <p:timing>
     <p:tnLst>
       <p:par>
-        <p:cTn id="1" dur="indefinite" restart="never" nodeType="tmRoot"/>
+        <p:cTn xmlns:p14="http://schemas.microsoft.com/office/powerpoint/2010/main" id="1" dur="indefinite" restart="never" nodeType="tmRoot"/>
       </p:par>
     </p:tnLst>
   </p:timing>
@@ -35301,27 +34153,7 @@
             <a:pPr lvl="1"/>
             <a:r>
               <a:rPr lang="en-US" sz="2000" dirty="0" smtClean="0"/>
-              <a:t>Any </a:t>
-            </a:r>
-            <a:r>
-              <a:rPr lang="en-US" sz="2000" dirty="0" smtClean="0"/>
-              <a:t>JavaScript </a:t>
-            </a:r>
-            <a:r>
-              <a:rPr lang="en-US" sz="2000" dirty="0" smtClean="0"/>
-              <a:t>function can be used as a </a:t>
-            </a:r>
-            <a:r>
-              <a:rPr lang="en-US" sz="2000" dirty="0" smtClean="0"/>
-              <a:t>constructor (aka, </a:t>
-            </a:r>
-            <a:r>
-              <a:rPr lang="en-US" sz="2000" dirty="0" smtClean="0"/>
-              <a:t>every JavaScript function (except functions returned by </a:t>
-            </a:r>
-            <a:r>
-              <a:rPr lang="en-US" sz="2000" dirty="0" smtClean="0"/>
-              <a:t>the ES5 </a:t>
+              <a:t>Any JavaScript function can be used as a constructor (aka, every JavaScript function (except functions returned by the ES5 </a:t>
             </a:r>
             <a:r>
               <a:rPr lang="en-US" sz="2000" dirty="0" err="1" smtClean="0"/>
@@ -35341,23 +34173,7 @@
             </a:r>
             <a:r>
               <a:rPr lang="en-US" sz="2000" dirty="0" smtClean="0"/>
-              <a:t> </a:t>
-            </a:r>
-            <a:r>
-              <a:rPr lang="en-US" sz="2000" dirty="0" smtClean="0"/>
-              <a:t>property).</a:t>
-            </a:r>
-            <a:r>
-              <a:rPr lang="en-US" sz="2000" dirty="0" smtClean="0"/>
-              <a:t> The </a:t>
-            </a:r>
-            <a:r>
-              <a:rPr lang="en-US" sz="2000" dirty="0" smtClean="0"/>
-              <a:t>value </a:t>
-            </a:r>
-            <a:r>
-              <a:rPr lang="en-US" sz="2000" dirty="0" smtClean="0"/>
-              <a:t>of this property is an object that has a single </a:t>
+              <a:t> property). The value of this property is an object that has a single </a:t>
             </a:r>
             <a:r>
               <a:rPr lang="en-US" sz="2000" dirty="0" err="1" smtClean="0"/>
@@ -35377,40 +34193,15 @@
             </a:r>
             <a:r>
               <a:rPr lang="en-US" sz="2000" dirty="0" smtClean="0"/>
-              <a:t> </a:t>
-            </a:r>
-            <a:r>
-              <a:rPr lang="en-US" sz="2000" dirty="0" smtClean="0"/>
-              <a:t>property. </a:t>
-            </a:r>
-            <a:r>
-              <a:rPr lang="en-US" sz="2000" dirty="0" smtClean="0"/>
-              <a:t>The value of the constructor property is the function </a:t>
-            </a:r>
-            <a:r>
-              <a:rPr lang="en-US" sz="2000" dirty="0" smtClean="0"/>
-              <a:t>object</a:t>
-            </a:r>
-          </a:p>
-          <a:p>
-            <a:pPr lvl="1"/>
-            <a:r>
-              <a:rPr lang="en-US" sz="2000" dirty="0" smtClean="0"/>
-              <a:t>The existence of this predefined prototype object with its constructor property </a:t>
-            </a:r>
-            <a:r>
-              <a:rPr lang="en-US" sz="2000" dirty="0" smtClean="0"/>
-              <a:t>means </a:t>
-            </a:r>
-            <a:r>
-              <a:rPr lang="en-US" sz="2000" dirty="0" smtClean="0"/>
-              <a:t>that objects typically inherit a constructor property that refers to their </a:t>
-            </a:r>
-            <a:r>
-              <a:rPr lang="en-US" sz="2000" dirty="0" smtClean="0"/>
-              <a:t>constructor</a:t>
-            </a:r>
-            <a:endParaRPr lang="en-US" sz="2000" dirty="0" smtClean="0"/>
+              <a:t> property. The value of the constructor property is the function object</a:t>
+            </a:r>
+          </a:p>
+          <a:p>
+            <a:pPr lvl="1"/>
+            <a:r>
+              <a:rPr lang="en-US" sz="2000" dirty="0" smtClean="0"/>
+              <a:t>The existence of this predefined prototype object with its constructor property means that objects typically inherit a constructor property that refers to their constructor</a:t>
+            </a:r>
           </a:p>
         </p:txBody>
       </p:sp>
@@ -35422,7 +34213,7 @@
   <p:timing>
     <p:tnLst>
       <p:par>
-        <p:cTn id="1" dur="indefinite" restart="never" nodeType="tmRoot"/>
+        <p:cTn xmlns:p14="http://schemas.microsoft.com/office/powerpoint/2010/main" id="1" dur="indefinite" restart="never" nodeType="tmRoot"/>
       </p:par>
     </p:tnLst>
   </p:timing>
@@ -35516,7 +34307,7 @@
   <p:timing>
     <p:tnLst>
       <p:par>
-        <p:cTn id="1" dur="indefinite" restart="never" nodeType="tmRoot"/>
+        <p:cTn xmlns:p14="http://schemas.microsoft.com/office/powerpoint/2010/main" id="1" dur="indefinite" restart="never" nodeType="tmRoot"/>
       </p:par>
     </p:tnLst>
   </p:timing>
@@ -35642,7 +34433,7 @@
   <p:timing>
     <p:tnLst>
       <p:par>
-        <p:cTn id="1" dur="indefinite" restart="never" nodeType="tmRoot"/>
+        <p:cTn xmlns:p14="http://schemas.microsoft.com/office/powerpoint/2010/main" id="1" dur="indefinite" restart="never" nodeType="tmRoot"/>
       </p:par>
     </p:tnLst>
   </p:timing>
@@ -35736,7 +34527,7 @@
   <p:timing>
     <p:tnLst>
       <p:par>
-        <p:cTn id="1" dur="indefinite" restart="never" nodeType="tmRoot"/>
+        <p:cTn xmlns:p14="http://schemas.microsoft.com/office/powerpoint/2010/main" id="1" dur="indefinite" restart="never" nodeType="tmRoot"/>
       </p:par>
     </p:tnLst>
   </p:timing>
@@ -35825,37 +34616,21 @@
             <a:pPr lvl="1"/>
             <a:r>
               <a:rPr lang="en-US" sz="2000" dirty="0" smtClean="0"/>
-              <a:t>In JavaScript, there are three different objects involved in any class </a:t>
-            </a:r>
-            <a:r>
-              <a:rPr lang="en-US" sz="2000" dirty="0" smtClean="0"/>
-              <a:t>definition</a:t>
+              <a:t>In JavaScript, there are three different objects involved in any class definition</a:t>
             </a:r>
           </a:p>
           <a:p>
             <a:pPr lvl="1"/>
             <a:r>
               <a:rPr lang="en-US" sz="2000" i="1" dirty="0" smtClean="0"/>
-              <a:t>Constructor </a:t>
-            </a:r>
-            <a:r>
-              <a:rPr lang="en-US" sz="2000" i="1" dirty="0" smtClean="0"/>
-              <a:t>object</a:t>
+              <a:t>Constructor object</a:t>
             </a:r>
             <a:br>
               <a:rPr lang="en-US" sz="2000" i="1" dirty="0" smtClean="0"/>
             </a:br>
             <a:r>
               <a:rPr lang="en-US" sz="2000" dirty="0" smtClean="0"/>
-              <a:t>the constructor function (an object) defines a name for a </a:t>
-            </a:r>
-            <a:r>
-              <a:rPr lang="en-US" sz="2000" dirty="0" smtClean="0"/>
-              <a:t>JavaScript </a:t>
-            </a:r>
-            <a:r>
-              <a:rPr lang="en-US" sz="2000" dirty="0" smtClean="0"/>
-              <a:t>class. Properties you add to this constructor object serve as </a:t>
+              <a:t>the constructor function (an object) defines a name for a JavaScript class. Properties you add to this constructor object serve as </a:t>
             </a:r>
             <a:r>
               <a:rPr lang="en-US" sz="2000" dirty="0" smtClean="0">
@@ -35863,7 +34638,15 @@
                   <a:srgbClr val="FF0000"/>
                 </a:solidFill>
               </a:rPr>
-              <a:t>class fields and </a:t>
+              <a:t>class fields and class methods (like static </a:t>
+            </a:r>
+            <a:r>
+              <a:rPr lang="en-US" sz="2000" dirty="0" err="1" smtClean="0">
+                <a:solidFill>
+                  <a:srgbClr val="FF0000"/>
+                </a:solidFill>
+              </a:rPr>
+              <a:t>memfunc</a:t>
             </a:r>
             <a:r>
               <a:rPr lang="en-US" sz="2000" dirty="0" smtClean="0">
@@ -35871,15 +34654,15 @@
                   <a:srgbClr val="FF0000"/>
                 </a:solidFill>
               </a:rPr>
-              <a:t>class </a:t>
-            </a:r>
-            <a:r>
-              <a:rPr lang="en-US" sz="2000" dirty="0" smtClean="0">
+              <a:t> in Java/C++</a:t>
+            </a:r>
+            <a:r>
+              <a:rPr lang="en-US" sz="2000" smtClean="0">
                 <a:solidFill>
                   <a:srgbClr val="FF0000"/>
                 </a:solidFill>
               </a:rPr>
-              <a:t>methods</a:t>
+              <a:t>/Python)</a:t>
             </a:r>
             <a:endParaRPr lang="en-US" sz="2000" i="1" dirty="0" smtClean="0">
               <a:solidFill>
@@ -35891,26 +34674,14 @@
             <a:pPr lvl="1"/>
             <a:r>
               <a:rPr lang="en-US" sz="2000" i="1" dirty="0" smtClean="0"/>
-              <a:t>Prototype </a:t>
-            </a:r>
-            <a:r>
-              <a:rPr lang="en-US" sz="2000" i="1" dirty="0" smtClean="0"/>
-              <a:t>object</a:t>
+              <a:t>Prototype object</a:t>
             </a:r>
             <a:br>
               <a:rPr lang="en-US" sz="2000" i="1" dirty="0" smtClean="0"/>
             </a:br>
             <a:r>
               <a:rPr lang="en-US" sz="2000" dirty="0" smtClean="0"/>
-              <a:t>The properties of this object are inherited by all instances of the class, and </a:t>
-            </a:r>
-            <a:r>
-              <a:rPr lang="en-US" sz="2000" dirty="0" smtClean="0"/>
-              <a:t>properties </a:t>
-            </a:r>
-            <a:r>
-              <a:rPr lang="en-US" sz="2000" dirty="0" smtClean="0"/>
-              <a:t>whose values are functions behave </a:t>
+              <a:t>The properties of this object are inherited by all instances of the class, and properties whose values are functions behave </a:t>
             </a:r>
             <a:r>
               <a:rPr lang="en-US" sz="2000" dirty="0" smtClean="0">
@@ -35930,11 +34701,7 @@
             <a:pPr lvl="1"/>
             <a:r>
               <a:rPr lang="en-US" sz="2000" i="1" dirty="0" smtClean="0"/>
-              <a:t>Instance </a:t>
-            </a:r>
-            <a:r>
-              <a:rPr lang="en-US" sz="2000" i="1" dirty="0" smtClean="0"/>
-              <a:t>object</a:t>
+              <a:t>Instance object</a:t>
             </a:r>
             <a:br>
               <a:rPr lang="en-US" sz="2000" i="1" dirty="0" smtClean="0"/>
@@ -35961,23 +34728,7 @@
                   <a:srgbClr val="FF0000"/>
                 </a:solidFill>
               </a:rPr>
-              <a:t>properties defined </a:t>
-            </a:r>
-            <a:r>
-              <a:rPr lang="en-US" sz="2000" dirty="0" smtClean="0">
-                <a:solidFill>
-                  <a:srgbClr val="FF0000"/>
-                </a:solidFill>
-              </a:rPr>
-              <a:t>directly </a:t>
-            </a:r>
-            <a:r>
-              <a:rPr lang="en-US" sz="2000" dirty="0" smtClean="0">
-                <a:solidFill>
-                  <a:srgbClr val="FF0000"/>
-                </a:solidFill>
-              </a:rPr>
-              <a:t>on an instance are not shared by any other instances</a:t>
+              <a:t>properties defined directly on an instance are not shared by any other instances</a:t>
             </a:r>
             <a:r>
               <a:rPr lang="en-US" sz="2000" dirty="0" smtClean="0"/>
@@ -35989,15 +34740,7 @@
             </a:r>
             <a:r>
               <a:rPr lang="en-US" sz="2000" dirty="0" smtClean="0"/>
-              <a:t> properties </a:t>
-            </a:r>
-            <a:r>
-              <a:rPr lang="en-US" sz="2000" dirty="0" smtClean="0"/>
-              <a:t>defined </a:t>
-            </a:r>
-            <a:r>
-              <a:rPr lang="en-US" sz="2000" dirty="0" smtClean="0"/>
-              <a:t>on instances behave as </a:t>
+              <a:t> properties defined on instances behave as </a:t>
             </a:r>
             <a:r>
               <a:rPr lang="en-US" sz="2000" dirty="0" smtClean="0">
@@ -36022,7 +34765,7 @@
   <p:timing>
     <p:tnLst>
       <p:par>
-        <p:cTn id="1" dur="indefinite" restart="never" nodeType="tmRoot"/>
+        <p:cTn xmlns:p14="http://schemas.microsoft.com/office/powerpoint/2010/main" id="1" dur="indefinite" restart="never" nodeType="tmRoot"/>
       </p:par>
     </p:tnLst>
   </p:timing>
